--- a/slides/microgrid_ude_bnode_neurips.pptx
+++ b/slides/microgrid_ude_bnode_neurips.pptx
@@ -6,22 +6,8 @@
   </p:sldMasterIdLst>
   <p:sldIdLst>
     <p:sldId id="256" r:id="rId7"/>
-    <p:sldId id="257" r:id="rId8"/>
-    <p:sldId id="258" r:id="rId10"/>
-    <p:sldId id="259" r:id="rId11"/>
-    <p:sldId id="260" r:id="rId12"/>
-    <p:sldId id="261" r:id="rId13"/>
-    <p:sldId id="262" r:id="rId14"/>
-    <p:sldId id="263" r:id="rId15"/>
-    <p:sldId id="264" r:id="rId16"/>
-    <p:sldId id="265" r:id="rId17"/>
-    <p:sldId id="266" r:id="rId18"/>
-    <p:sldId id="267" r:id="rId19"/>
-    <p:sldId id="268" r:id="rId20"/>
-    <p:sldId id="269" r:id="rId21"/>
-    <p:sldId id="270" r:id="rId22"/>
   </p:sldIdLst>
-  <p:sldSz cx="12191695" cy="6858000" type="screen4x3"/>
+  <p:sldSz cx="9144000" cy="6858000" type="screen4x3"/>
   <p:notesSz cx="6858000" cy="9144000"/>
   <p:defaultTextStyle>
     <a:defPPr>
@@ -119,1336 +105,6 @@
     </a:lvl9pPr>
   </p:defaultTextStyle>
 </p:presentation>
-</file>
-
-<file path=ppt/notesMasters/notesMaster1.xml><?xml version="1.0" encoding="utf-8"?>
-<p:notesMaster xmlns:a="http://schemas.openxmlformats.org/drawingml/2006/main" xmlns:p="http://schemas.openxmlformats.org/presentationml/2006/main" xmlns:r="http://schemas.openxmlformats.org/officeDocument/2006/relationships">
-  <p:cSld>
-    <p:bg>
-      <p:bgRef idx="1001">
-        <a:schemeClr val="bg1"/>
-      </p:bgRef>
-    </p:bg>
-    <p:spTree>
-      <p:nvGrpSpPr>
-        <p:cNvPr id="1" name=""/>
-        <p:cNvGrpSpPr/>
-        <p:nvPr/>
-      </p:nvGrpSpPr>
-      <p:grpSpPr>
-        <a:xfrm>
-          <a:off x="0" y="0"/>
-          <a:ext cx="0" cy="0"/>
-          <a:chOff x="0" y="0"/>
-          <a:chExt cx="0" cy="0"/>
-        </a:xfrm>
-      </p:grpSpPr>
-      <p:sp>
-        <p:nvSpPr>
-          <p:cNvPr id="2" name="Header Placeholder 1"/>
-          <p:cNvSpPr>
-            <a:spLocks noGrp="1"/>
-          </p:cNvSpPr>
-          <p:nvPr>
-            <p:ph type="hdr" sz="quarter"/>
-          </p:nvPr>
-        </p:nvSpPr>
-        <p:spPr>
-          <a:xfrm>
-            <a:off x="0" y="0"/>
-            <a:ext cx="2971800" cy="457200"/>
-          </a:xfrm>
-          <a:prstGeom prst="rect">
-            <a:avLst/>
-          </a:prstGeom>
-        </p:spPr>
-        <p:txBody>
-          <a:bodyPr vert="horz" lIns="91440" tIns="45720" rIns="91440" bIns="45720" rtlCol="0"/>
-          <a:lstStyle>
-            <a:lvl1pPr algn="l">
-              <a:defRPr sz="1200"/>
-            </a:lvl1pPr>
-          </a:lstStyle>
-          <a:p>
-            <a:endParaRPr lang="en-US"/>
-          </a:p>
-        </p:txBody>
-      </p:sp>
-      <p:sp>
-        <p:nvSpPr>
-          <p:cNvPr id="3" name="Date Placeholder 2"/>
-          <p:cNvSpPr>
-            <a:spLocks noGrp="1"/>
-          </p:cNvSpPr>
-          <p:nvPr>
-            <p:ph type="dt" idx="1"/>
-          </p:nvPr>
-        </p:nvSpPr>
-        <p:spPr>
-          <a:xfrm>
-            <a:off x="3884613" y="0"/>
-            <a:ext cx="2971800" cy="457200"/>
-          </a:xfrm>
-          <a:prstGeom prst="rect">
-            <a:avLst/>
-          </a:prstGeom>
-        </p:spPr>
-        <p:txBody>
-          <a:bodyPr vert="horz" lIns="91440" tIns="45720" rIns="91440" bIns="45720" rtlCol="0"/>
-          <a:lstStyle>
-            <a:lvl1pPr algn="r">
-              <a:defRPr sz="1200"/>
-            </a:lvl1pPr>
-          </a:lstStyle>
-          <a:p>
-            <a:fld id="{0F89C1C7-3DCD-1040-A9CF-14679D8B5DDD}" type="datetimeFigureOut">
-              <a:rPr lang="en-US" smtClean="0"/>
-              <a:t>10/17/16</a:t>
-            </a:fld>
-            <a:endParaRPr lang="en-US"/>
-          </a:p>
-        </p:txBody>
-      </p:sp>
-      <p:sp>
-        <p:nvSpPr>
-          <p:cNvPr id="4" name="Slide Image Placeholder 3"/>
-          <p:cNvSpPr>
-            <a:spLocks noGrp="1" noRot="1" noChangeAspect="1"/>
-          </p:cNvSpPr>
-          <p:nvPr>
-            <p:ph type="sldImg" idx="2"/>
-          </p:nvPr>
-        </p:nvSpPr>
-        <p:spPr>
-          <a:xfrm>
-            <a:off x="1143000" y="685800"/>
-            <a:ext cx="4572000" cy="3429000"/>
-          </a:xfrm>
-          <a:prstGeom prst="rect">
-            <a:avLst/>
-          </a:prstGeom>
-          <a:noFill/>
-          <a:ln w="12700">
-            <a:solidFill>
-              <a:prstClr val="black"/>
-            </a:solidFill>
-          </a:ln>
-        </p:spPr>
-        <p:txBody>
-          <a:bodyPr vert="horz" lIns="91440" tIns="45720" rIns="91440" bIns="45720" rtlCol="0" anchor="ctr"/>
-          <a:lstStyle/>
-          <a:p>
-            <a:endParaRPr lang="en-US"/>
-          </a:p>
-        </p:txBody>
-      </p:sp>
-      <p:sp>
-        <p:nvSpPr>
-          <p:cNvPr id="5" name="Notes Placeholder 4"/>
-          <p:cNvSpPr>
-            <a:spLocks noGrp="1"/>
-          </p:cNvSpPr>
-          <p:nvPr>
-            <p:ph type="body" sz="quarter" idx="3"/>
-          </p:nvPr>
-        </p:nvSpPr>
-        <p:spPr>
-          <a:xfrm>
-            <a:off x="685800" y="4343400"/>
-            <a:ext cx="5486400" cy="4114800"/>
-          </a:xfrm>
-          <a:prstGeom prst="rect">
-            <a:avLst/>
-          </a:prstGeom>
-        </p:spPr>
-        <p:txBody>
-          <a:bodyPr vert="horz" lIns="91440" tIns="45720" rIns="91440" bIns="45720" rtlCol="0"/>
-          <a:lstStyle/>
-          <a:p>
-            <a:pPr lvl="0"/>
-            <a:r>
-              <a:rPr lang="en-US" smtClean="0"/>
-              <a:t>Click to edit Master text styles</a:t>
-            </a:r>
-          </a:p>
-          <a:p>
-            <a:pPr lvl="1"/>
-            <a:r>
-              <a:rPr lang="en-US" smtClean="0"/>
-              <a:t>Second level</a:t>
-            </a:r>
-          </a:p>
-          <a:p>
-            <a:pPr lvl="2"/>
-            <a:r>
-              <a:rPr lang="en-US" smtClean="0"/>
-              <a:t>Third level</a:t>
-            </a:r>
-          </a:p>
-          <a:p>
-            <a:pPr lvl="3"/>
-            <a:r>
-              <a:rPr lang="en-US" smtClean="0"/>
-              <a:t>Fourth level</a:t>
-            </a:r>
-          </a:p>
-          <a:p>
-            <a:pPr lvl="4"/>
-            <a:r>
-              <a:rPr lang="en-US" smtClean="0"/>
-              <a:t>Fifth level</a:t>
-            </a:r>
-            <a:endParaRPr lang="en-US"/>
-          </a:p>
-        </p:txBody>
-      </p:sp>
-      <p:sp>
-        <p:nvSpPr>
-          <p:cNvPr id="6" name="Footer Placeholder 5"/>
-          <p:cNvSpPr>
-            <a:spLocks noGrp="1"/>
-          </p:cNvSpPr>
-          <p:nvPr>
-            <p:ph type="ftr" sz="quarter" idx="4"/>
-          </p:nvPr>
-        </p:nvSpPr>
-        <p:spPr>
-          <a:xfrm>
-            <a:off x="0" y="8685213"/>
-            <a:ext cx="2971800" cy="457200"/>
-          </a:xfrm>
-          <a:prstGeom prst="rect">
-            <a:avLst/>
-          </a:prstGeom>
-        </p:spPr>
-        <p:txBody>
-          <a:bodyPr vert="horz" lIns="91440" tIns="45720" rIns="91440" bIns="45720" rtlCol="0" anchor="b"/>
-          <a:lstStyle>
-            <a:lvl1pPr algn="l">
-              <a:defRPr sz="1200"/>
-            </a:lvl1pPr>
-          </a:lstStyle>
-          <a:p>
-            <a:endParaRPr lang="en-US"/>
-          </a:p>
-        </p:txBody>
-      </p:sp>
-      <p:sp>
-        <p:nvSpPr>
-          <p:cNvPr id="7" name="Slide Number Placeholder 6"/>
-          <p:cNvSpPr>
-            <a:spLocks noGrp="1"/>
-          </p:cNvSpPr>
-          <p:nvPr>
-            <p:ph type="sldNum" sz="quarter" idx="5"/>
-          </p:nvPr>
-        </p:nvSpPr>
-        <p:spPr>
-          <a:xfrm>
-            <a:off x="3884613" y="8685213"/>
-            <a:ext cx="2971800" cy="457200"/>
-          </a:xfrm>
-          <a:prstGeom prst="rect">
-            <a:avLst/>
-          </a:prstGeom>
-        </p:spPr>
-        <p:txBody>
-          <a:bodyPr vert="horz" lIns="91440" tIns="45720" rIns="91440" bIns="45720" rtlCol="0" anchor="b"/>
-          <a:lstStyle>
-            <a:lvl1pPr algn="r">
-              <a:defRPr sz="1200"/>
-            </a:lvl1pPr>
-          </a:lstStyle>
-          <a:p>
-            <a:fld id="{BB5E49A5-4136-284D-997B-48E1D791AD67}" type="slidenum">
-              <a:rPr lang="en-US" smtClean="0"/>
-              <a:t>‹#›</a:t>
-            </a:fld>
-            <a:endParaRPr lang="en-US"/>
-          </a:p>
-        </p:txBody>
-      </p:sp>
-    </p:spTree>
-    <p:extLst>
-      <p:ext uri="{BB962C8B-B14F-4D97-AF65-F5344CB8AC3E}">
-        <p14:creationId xmlns:p14="http://schemas.microsoft.com/office/powerpoint/2010/main" val="2623252185"/>
-      </p:ext>
-    </p:extLst>
-  </p:cSld>
-  <p:clrMap bg1="lt1" tx1="dk1" bg2="lt2" tx2="dk2" accent1="accent1" accent2="accent2" accent3="accent3" accent4="accent4" accent5="accent5" accent6="accent6" hlink="hlink" folHlink="folHlink"/>
-  <p:notesStyle>
-    <a:lvl1pPr marL="0" algn="l" defTabSz="457200" rtl="0" eaLnBrk="1" latinLnBrk="0" hangingPunct="1">
-      <a:defRPr sz="1200" kern="1200">
-        <a:solidFill>
-          <a:schemeClr val="tx1"/>
-        </a:solidFill>
-        <a:latin typeface="+mn-lt"/>
-        <a:ea typeface="+mn-ea"/>
-        <a:cs typeface="+mn-cs"/>
-      </a:defRPr>
-    </a:lvl1pPr>
-    <a:lvl2pPr marL="457200" algn="l" defTabSz="457200" rtl="0" eaLnBrk="1" latinLnBrk="0" hangingPunct="1">
-      <a:defRPr sz="1200" kern="1200">
-        <a:solidFill>
-          <a:schemeClr val="tx1"/>
-        </a:solidFill>
-        <a:latin typeface="+mn-lt"/>
-        <a:ea typeface="+mn-ea"/>
-        <a:cs typeface="+mn-cs"/>
-      </a:defRPr>
-    </a:lvl2pPr>
-    <a:lvl3pPr marL="914400" algn="l" defTabSz="457200" rtl="0" eaLnBrk="1" latinLnBrk="0" hangingPunct="1">
-      <a:defRPr sz="1200" kern="1200">
-        <a:solidFill>
-          <a:schemeClr val="tx1"/>
-        </a:solidFill>
-        <a:latin typeface="+mn-lt"/>
-        <a:ea typeface="+mn-ea"/>
-        <a:cs typeface="+mn-cs"/>
-      </a:defRPr>
-    </a:lvl3pPr>
-    <a:lvl4pPr marL="1371600" algn="l" defTabSz="457200" rtl="0" eaLnBrk="1" latinLnBrk="0" hangingPunct="1">
-      <a:defRPr sz="1200" kern="1200">
-        <a:solidFill>
-          <a:schemeClr val="tx1"/>
-        </a:solidFill>
-        <a:latin typeface="+mn-lt"/>
-        <a:ea typeface="+mn-ea"/>
-        <a:cs typeface="+mn-cs"/>
-      </a:defRPr>
-    </a:lvl4pPr>
-    <a:lvl5pPr marL="1828800" algn="l" defTabSz="457200" rtl="0" eaLnBrk="1" latinLnBrk="0" hangingPunct="1">
-      <a:defRPr sz="1200" kern="1200">
-        <a:solidFill>
-          <a:schemeClr val="tx1"/>
-        </a:solidFill>
-        <a:latin typeface="+mn-lt"/>
-        <a:ea typeface="+mn-ea"/>
-        <a:cs typeface="+mn-cs"/>
-      </a:defRPr>
-    </a:lvl5pPr>
-    <a:lvl6pPr marL="2286000" algn="l" defTabSz="457200" rtl="0" eaLnBrk="1" latinLnBrk="0" hangingPunct="1">
-      <a:defRPr sz="1200" kern="1200">
-        <a:solidFill>
-          <a:schemeClr val="tx1"/>
-        </a:solidFill>
-        <a:latin typeface="+mn-lt"/>
-        <a:ea typeface="+mn-ea"/>
-        <a:cs typeface="+mn-cs"/>
-      </a:defRPr>
-    </a:lvl6pPr>
-    <a:lvl7pPr marL="2743200" algn="l" defTabSz="457200" rtl="0" eaLnBrk="1" latinLnBrk="0" hangingPunct="1">
-      <a:defRPr sz="1200" kern="1200">
-        <a:solidFill>
-          <a:schemeClr val="tx1"/>
-        </a:solidFill>
-        <a:latin typeface="+mn-lt"/>
-        <a:ea typeface="+mn-ea"/>
-        <a:cs typeface="+mn-cs"/>
-      </a:defRPr>
-    </a:lvl7pPr>
-    <a:lvl8pPr marL="3200400" algn="l" defTabSz="457200" rtl="0" eaLnBrk="1" latinLnBrk="0" hangingPunct="1">
-      <a:defRPr sz="1200" kern="1200">
-        <a:solidFill>
-          <a:schemeClr val="tx1"/>
-        </a:solidFill>
-        <a:latin typeface="+mn-lt"/>
-        <a:ea typeface="+mn-ea"/>
-        <a:cs typeface="+mn-cs"/>
-      </a:defRPr>
-    </a:lvl8pPr>
-    <a:lvl9pPr marL="3657600" algn="l" defTabSz="457200" rtl="0" eaLnBrk="1" latinLnBrk="0" hangingPunct="1">
-      <a:defRPr sz="1200" kern="1200">
-        <a:solidFill>
-          <a:schemeClr val="tx1"/>
-        </a:solidFill>
-        <a:latin typeface="+mn-lt"/>
-        <a:ea typeface="+mn-ea"/>
-        <a:cs typeface="+mn-cs"/>
-      </a:defRPr>
-    </a:lvl9pPr>
-  </p:notesStyle>
-</p:notesMaster>
-</file>
-
-<file path=ppt/notesSlides/notesSlide1.xml><?xml version="1.0" encoding="utf-8"?>
-<p:notes xmlns:a="http://schemas.openxmlformats.org/drawingml/2006/main" xmlns:p="http://schemas.openxmlformats.org/presentationml/2006/main" xmlns:r="http://schemas.openxmlformats.org/officeDocument/2006/relationships">
-  <p:cSld>
-    <p:spTree>
-      <p:nvGrpSpPr>
-        <p:cNvPr id="1" name=""/>
-        <p:cNvGrpSpPr/>
-        <p:nvPr/>
-      </p:nvGrpSpPr>
-      <p:grpSpPr>
-        <a:xfrm>
-          <a:off x="0" y="0"/>
-          <a:ext cx="0" cy="0"/>
-          <a:chOff x="0" y="0"/>
-          <a:chExt cx="0" cy="0"/>
-        </a:xfrm>
-      </p:grpSpPr>
-      <p:sp>
-        <p:nvSpPr>
-          <p:cNvPr id="2" name="Slide Image Placeholder 1"/>
-          <p:cNvSpPr>
-            <a:spLocks noGrp="1"/>
-          </p:cNvSpPr>
-          <p:nvPr>
-            <p:ph type="sldImg" idx="2"/>
-          </p:nvPr>
-        </p:nvSpPr>
-        <p:spPr/>
-      </p:sp>
-      <p:sp>
-        <p:nvSpPr>
-          <p:cNvPr id="3" name="Notes Placeholder 2"/>
-          <p:cNvSpPr>
-            <a:spLocks noGrp="1"/>
-          </p:cNvSpPr>
-          <p:nvPr>
-            <p:ph type="body" idx="3" sz="quarter"/>
-          </p:nvPr>
-        </p:nvSpPr>
-        <p:spPr/>
-        <p:txBody>
-          <a:bodyPr/>
-          <a:lstStyle/>
-          <a:p>
-            <a:r>
-              <a:t>Microgrids face fast, nonlinear, mode-switching dynamics. High-fidelity DAEs are stiff and slow; black-box models break physics and fail OOD. We use SciML: UDE keeps physics and learns the residual; BNODE learns full dynamics with calibrated uncertainty.</a:t>
-            </a:r>
-          </a:p>
-        </p:txBody>
-      </p:sp>
-      <p:sp>
-        <p:nvSpPr>
-          <p:cNvPr id="4" name="Slide Number Placeholder 3"/>
-          <p:cNvSpPr>
-            <a:spLocks noGrp="1"/>
-          </p:cNvSpPr>
-          <p:nvPr>
-            <p:ph type="sldNum" idx="5" sz="quarter"/>
-          </p:nvPr>
-        </p:nvSpPr>
-        <p:spPr/>
-      </p:sp>
-    </p:spTree>
-  </p:cSld>
-  <p:clrMapOvr>
-    <a:masterClrMapping/>
-  </p:clrMapOvr>
-</p:notes>
-</file>
-
-<file path=ppt/notesSlides/notesSlide10.xml><?xml version="1.0" encoding="utf-8"?>
-<p:notes xmlns:a="http://schemas.openxmlformats.org/drawingml/2006/main" xmlns:p="http://schemas.openxmlformats.org/presentationml/2006/main" xmlns:r="http://schemas.openxmlformats.org/officeDocument/2006/relationships">
-  <p:cSld>
-    <p:spTree>
-      <p:nvGrpSpPr>
-        <p:cNvPr id="1" name=""/>
-        <p:cNvGrpSpPr/>
-        <p:nvPr/>
-      </p:nvGrpSpPr>
-      <p:grpSpPr>
-        <a:xfrm>
-          <a:off x="0" y="0"/>
-          <a:ext cx="0" cy="0"/>
-          <a:chOff x="0" y="0"/>
-          <a:chExt cx="0" cy="0"/>
-        </a:xfrm>
-      </p:grpSpPr>
-      <p:sp>
-        <p:nvSpPr>
-          <p:cNvPr id="2" name="Slide Image Placeholder 1"/>
-          <p:cNvSpPr>
-            <a:spLocks noGrp="1"/>
-          </p:cNvSpPr>
-          <p:nvPr>
-            <p:ph type="sldImg" idx="2"/>
-          </p:nvPr>
-        </p:nvSpPr>
-        <p:spPr/>
-      </p:sp>
-      <p:sp>
-        <p:nvSpPr>
-          <p:cNvPr id="3" name="Notes Placeholder 2"/>
-          <p:cNvSpPr>
-            <a:spLocks noGrp="1"/>
-          </p:cNvSpPr>
-          <p:nvPr>
-            <p:ph type="body" idx="3" sz="quarter"/>
-          </p:nvPr>
-        </p:nvSpPr>
-        <p:spPr/>
-        <p:txBody>
-          <a:bodyPr/>
-          <a:lstStyle/>
-          <a:p>
-            <a:r>
-              <a:t>UDE residual cubic fit (R²≈0.982): mild saturation as P_gen→1. Suggests adaptive droop: β(P_gen)=β0(1 - c·P_gen²), with c≈0.018945. Physically interpretable and useful for controller tuning.</a:t>
-            </a:r>
-          </a:p>
-        </p:txBody>
-      </p:sp>
-      <p:sp>
-        <p:nvSpPr>
-          <p:cNvPr id="4" name="Slide Number Placeholder 3"/>
-          <p:cNvSpPr>
-            <a:spLocks noGrp="1"/>
-          </p:cNvSpPr>
-          <p:nvPr>
-            <p:ph type="sldNum" idx="5" sz="quarter"/>
-          </p:nvPr>
-        </p:nvSpPr>
-        <p:spPr/>
-      </p:sp>
-    </p:spTree>
-  </p:cSld>
-  <p:clrMapOvr>
-    <a:masterClrMapping/>
-  </p:clrMapOvr>
-</p:notes>
-</file>
-
-<file path=ppt/notesSlides/notesSlide11.xml><?xml version="1.0" encoding="utf-8"?>
-<p:notes xmlns:a="http://schemas.openxmlformats.org/drawingml/2006/main" xmlns:p="http://schemas.openxmlformats.org/presentationml/2006/main" xmlns:r="http://schemas.openxmlformats.org/officeDocument/2006/relationships">
-  <p:cSld>
-    <p:spTree>
-      <p:nvGrpSpPr>
-        <p:cNvPr id="1" name=""/>
-        <p:cNvGrpSpPr/>
-        <p:nvPr/>
-      </p:nvGrpSpPr>
-      <p:grpSpPr>
-        <a:xfrm>
-          <a:off x="0" y="0"/>
-          <a:ext cx="0" cy="0"/>
-          <a:chOff x="0" y="0"/>
-          <a:chExt cx="0" cy="0"/>
-        </a:xfrm>
-      </p:grpSpPr>
-      <p:sp>
-        <p:nvSpPr>
-          <p:cNvPr id="2" name="Slide Image Placeholder 1"/>
-          <p:cNvSpPr>
-            <a:spLocks noGrp="1"/>
-          </p:cNvSpPr>
-          <p:nvPr>
-            <p:ph type="sldImg" idx="2"/>
-          </p:nvPr>
-        </p:nvSpPr>
-        <p:spPr/>
-      </p:sp>
-      <p:sp>
-        <p:nvSpPr>
-          <p:cNvPr id="3" name="Notes Placeholder 2"/>
-          <p:cNvSpPr>
-            <a:spLocks noGrp="1"/>
-          </p:cNvSpPr>
-          <p:nvPr>
-            <p:ph type="body" idx="3" sz="quarter"/>
-          </p:nvPr>
-        </p:nvSpPr>
-        <p:spPr/>
-        <p:txBody>
-          <a:bodyPr/>
-          <a:lstStyle/>
-          <a:p>
-            <a:r>
-              <a:t>UDE is stable across width and λ; width=3 suffices. Regularization trades fit vs generalization smoothly.</a:t>
-            </a:r>
-          </a:p>
-        </p:txBody>
-      </p:sp>
-      <p:sp>
-        <p:nvSpPr>
-          <p:cNvPr id="4" name="Slide Number Placeholder 3"/>
-          <p:cNvSpPr>
-            <a:spLocks noGrp="1"/>
-          </p:cNvSpPr>
-          <p:nvPr>
-            <p:ph type="sldNum" idx="5" sz="quarter"/>
-          </p:nvPr>
-        </p:nvSpPr>
-        <p:spPr/>
-      </p:sp>
-    </p:spTree>
-  </p:cSld>
-  <p:clrMapOvr>
-    <a:masterClrMapping/>
-  </p:clrMapOvr>
-</p:notes>
-</file>
-
-<file path=ppt/notesSlides/notesSlide12.xml><?xml version="1.0" encoding="utf-8"?>
-<p:notes xmlns:a="http://schemas.openxmlformats.org/drawingml/2006/main" xmlns:p="http://schemas.openxmlformats.org/presentationml/2006/main" xmlns:r="http://schemas.openxmlformats.org/officeDocument/2006/relationships">
-  <p:cSld>
-    <p:spTree>
-      <p:nvGrpSpPr>
-        <p:cNvPr id="1" name=""/>
-        <p:cNvGrpSpPr/>
-        <p:nvPr/>
-      </p:nvGrpSpPr>
-      <p:grpSpPr>
-        <a:xfrm>
-          <a:off x="0" y="0"/>
-          <a:ext cx="0" cy="0"/>
-          <a:chOff x="0" y="0"/>
-          <a:chExt cx="0" cy="0"/>
-        </a:xfrm>
-      </p:grpSpPr>
-      <p:sp>
-        <p:nvSpPr>
-          <p:cNvPr id="2" name="Slide Image Placeholder 1"/>
-          <p:cNvSpPr>
-            <a:spLocks noGrp="1"/>
-          </p:cNvSpPr>
-          <p:nvPr>
-            <p:ph type="sldImg" idx="2"/>
-          </p:nvPr>
-        </p:nvSpPr>
-        <p:spPr/>
-      </p:sp>
-      <p:sp>
-        <p:nvSpPr>
-          <p:cNvPr id="3" name="Notes Placeholder 2"/>
-          <p:cNvSpPr>
-            <a:spLocks noGrp="1"/>
-          </p:cNvSpPr>
-          <p:nvPr>
-            <p:ph type="body" idx="3" sz="quarter"/>
-          </p:nvPr>
-        </p:nvSpPr>
-        <p:spPr/>
-        <p:txBody>
-          <a:bodyPr/>
-          <a:lstStyle/>
-          <a:p>
-            <a:r>
-              <a:t>As input noise rises, UDE RMSE degrades ~linearly; BNODE widens intervals to maintain coverage — distinguishes epistemic vs aleatoric.</a:t>
-            </a:r>
-          </a:p>
-        </p:txBody>
-      </p:sp>
-      <p:sp>
-        <p:nvSpPr>
-          <p:cNvPr id="4" name="Slide Number Placeholder 3"/>
-          <p:cNvSpPr>
-            <a:spLocks noGrp="1"/>
-          </p:cNvSpPr>
-          <p:nvPr>
-            <p:ph type="sldNum" idx="5" sz="quarter"/>
-          </p:nvPr>
-        </p:nvSpPr>
-        <p:spPr/>
-      </p:sp>
-    </p:spTree>
-  </p:cSld>
-  <p:clrMapOvr>
-    <a:masterClrMapping/>
-  </p:clrMapOvr>
-</p:notes>
-</file>
-
-<file path=ppt/notesSlides/notesSlide13.xml><?xml version="1.0" encoding="utf-8"?>
-<p:notes xmlns:a="http://schemas.openxmlformats.org/drawingml/2006/main" xmlns:p="http://schemas.openxmlformats.org/presentationml/2006/main" xmlns:r="http://schemas.openxmlformats.org/officeDocument/2006/relationships">
-  <p:cSld>
-    <p:spTree>
-      <p:nvGrpSpPr>
-        <p:cNvPr id="1" name=""/>
-        <p:cNvGrpSpPr/>
-        <p:nvPr/>
-      </p:nvGrpSpPr>
-      <p:grpSpPr>
-        <a:xfrm>
-          <a:off x="0" y="0"/>
-          <a:ext cx="0" cy="0"/>
-          <a:chOff x="0" y="0"/>
-          <a:chExt cx="0" cy="0"/>
-        </a:xfrm>
-      </p:grpSpPr>
-      <p:sp>
-        <p:nvSpPr>
-          <p:cNvPr id="2" name="Slide Image Placeholder 1"/>
-          <p:cNvSpPr>
-            <a:spLocks noGrp="1"/>
-          </p:cNvSpPr>
-          <p:nvPr>
-            <p:ph type="sldImg" idx="2"/>
-          </p:nvPr>
-        </p:nvSpPr>
-        <p:spPr/>
-      </p:sp>
-      <p:sp>
-        <p:nvSpPr>
-          <p:cNvPr id="3" name="Notes Placeholder 2"/>
-          <p:cNvSpPr>
-            <a:spLocks noGrp="1"/>
-          </p:cNvSpPr>
-          <p:nvPr>
-            <p:ph type="body" idx="3" sz="quarter"/>
-          </p:nvPr>
-        </p:nvSpPr>
-        <p:spPr/>
-        <p:txBody>
-          <a:bodyPr/>
-          <a:lstStyle/>
-          <a:p>
-            <a:r>
-              <a:t>UDE stays fast (sub-ms per trajectory) with a stiff solver in the loop, suitable for real-time or MPC contexts.</a:t>
-            </a:r>
-          </a:p>
-        </p:txBody>
-      </p:sp>
-      <p:sp>
-        <p:nvSpPr>
-          <p:cNvPr id="4" name="Slide Number Placeholder 3"/>
-          <p:cNvSpPr>
-            <a:spLocks noGrp="1"/>
-          </p:cNvSpPr>
-          <p:nvPr>
-            <p:ph type="sldNum" idx="5" sz="quarter"/>
-          </p:nvPr>
-        </p:nvSpPr>
-        <p:spPr/>
-      </p:sp>
-    </p:spTree>
-  </p:cSld>
-  <p:clrMapOvr>
-    <a:masterClrMapping/>
-  </p:clrMapOvr>
-</p:notes>
-</file>
-
-<file path=ppt/notesSlides/notesSlide14.xml><?xml version="1.0" encoding="utf-8"?>
-<p:notes xmlns:a="http://schemas.openxmlformats.org/drawingml/2006/main" xmlns:p="http://schemas.openxmlformats.org/presentationml/2006/main" xmlns:r="http://schemas.openxmlformats.org/officeDocument/2006/relationships">
-  <p:cSld>
-    <p:spTree>
-      <p:nvGrpSpPr>
-        <p:cNvPr id="1" name=""/>
-        <p:cNvGrpSpPr/>
-        <p:nvPr/>
-      </p:nvGrpSpPr>
-      <p:grpSpPr>
-        <a:xfrm>
-          <a:off x="0" y="0"/>
-          <a:ext cx="0" cy="0"/>
-          <a:chOff x="0" y="0"/>
-          <a:chExt cx="0" cy="0"/>
-        </a:xfrm>
-      </p:grpSpPr>
-      <p:sp>
-        <p:nvSpPr>
-          <p:cNvPr id="2" name="Slide Image Placeholder 1"/>
-          <p:cNvSpPr>
-            <a:spLocks noGrp="1"/>
-          </p:cNvSpPr>
-          <p:nvPr>
-            <p:ph type="sldImg" idx="2"/>
-          </p:nvPr>
-        </p:nvSpPr>
-        <p:spPr/>
-      </p:sp>
-      <p:sp>
-        <p:nvSpPr>
-          <p:cNvPr id="3" name="Notes Placeholder 2"/>
-          <p:cNvSpPr>
-            <a:spLocks noGrp="1"/>
-          </p:cNvSpPr>
-          <p:nvPr>
-            <p:ph type="body" idx="3" sz="quarter"/>
-          </p:nvPr>
-        </p:nvSpPr>
-        <p:spPr/>
-        <p:txBody>
-          <a:bodyPr/>
-          <a:lstStyle/>
-          <a:p>
-            <a:r>
-              <a:t>Use UDE for real-time, physics-faithful control; use BNODE for planning under uncertainty. Together: interpretable, calibrated, and operationally ready.</a:t>
-            </a:r>
-          </a:p>
-        </p:txBody>
-      </p:sp>
-      <p:sp>
-        <p:nvSpPr>
-          <p:cNvPr id="4" name="Slide Number Placeholder 3"/>
-          <p:cNvSpPr>
-            <a:spLocks noGrp="1"/>
-          </p:cNvSpPr>
-          <p:nvPr>
-            <p:ph type="sldNum" idx="5" sz="quarter"/>
-          </p:nvPr>
-        </p:nvSpPr>
-        <p:spPr/>
-      </p:sp>
-    </p:spTree>
-  </p:cSld>
-  <p:clrMapOvr>
-    <a:masterClrMapping/>
-  </p:clrMapOvr>
-</p:notes>
-</file>
-
-<file path=ppt/notesSlides/notesSlide2.xml><?xml version="1.0" encoding="utf-8"?>
-<p:notes xmlns:a="http://schemas.openxmlformats.org/drawingml/2006/main" xmlns:p="http://schemas.openxmlformats.org/presentationml/2006/main" xmlns:r="http://schemas.openxmlformats.org/officeDocument/2006/relationships">
-  <p:cSld>
-    <p:spTree>
-      <p:nvGrpSpPr>
-        <p:cNvPr id="1" name=""/>
-        <p:cNvGrpSpPr/>
-        <p:nvPr/>
-      </p:nvGrpSpPr>
-      <p:grpSpPr>
-        <a:xfrm>
-          <a:off x="0" y="0"/>
-          <a:ext cx="0" cy="0"/>
-          <a:chOff x="0" y="0"/>
-          <a:chExt cx="0" cy="0"/>
-        </a:xfrm>
-      </p:grpSpPr>
-      <p:sp>
-        <p:nvSpPr>
-          <p:cNvPr id="2" name="Slide Image Placeholder 1"/>
-          <p:cNvSpPr>
-            <a:spLocks noGrp="1"/>
-          </p:cNvSpPr>
-          <p:nvPr>
-            <p:ph type="sldImg" idx="2"/>
-          </p:nvPr>
-        </p:nvSpPr>
-        <p:spPr/>
-      </p:sp>
-      <p:sp>
-        <p:nvSpPr>
-          <p:cNvPr id="3" name="Notes Placeholder 2"/>
-          <p:cNvSpPr>
-            <a:spLocks noGrp="1"/>
-          </p:cNvSpPr>
-          <p:nvPr>
-            <p:ph type="body" idx="3" sz="quarter"/>
-          </p:nvPr>
-        </p:nvSpPr>
-        <p:spPr/>
-        <p:txBody>
-          <a:bodyPr/>
-          <a:lstStyle/>
-          <a:p>
-            <a:r>
-              <a:t>Why not PINNs? Known failure modes (trivial minima, gradient pathologies, spectral bias) and trouble with stiffness. UDE/BNODE preserve structure and use proper ODE solvers and Bayesian inference.</a:t>
-            </a:r>
-          </a:p>
-        </p:txBody>
-      </p:sp>
-      <p:sp>
-        <p:nvSpPr>
-          <p:cNvPr id="4" name="Slide Number Placeholder 3"/>
-          <p:cNvSpPr>
-            <a:spLocks noGrp="1"/>
-          </p:cNvSpPr>
-          <p:nvPr>
-            <p:ph type="sldNum" idx="5" sz="quarter"/>
-          </p:nvPr>
-        </p:nvSpPr>
-        <p:spPr/>
-      </p:sp>
-    </p:spTree>
-  </p:cSld>
-  <p:clrMapOvr>
-    <a:masterClrMapping/>
-  </p:clrMapOvr>
-</p:notes>
-</file>
-
-<file path=ppt/notesSlides/notesSlide3.xml><?xml version="1.0" encoding="utf-8"?>
-<p:notes xmlns:a="http://schemas.openxmlformats.org/drawingml/2006/main" xmlns:p="http://schemas.openxmlformats.org/presentationml/2006/main" xmlns:r="http://schemas.openxmlformats.org/officeDocument/2006/relationships">
-  <p:cSld>
-    <p:spTree>
-      <p:nvGrpSpPr>
-        <p:cNvPr id="1" name=""/>
-        <p:cNvGrpSpPr/>
-        <p:nvPr/>
-      </p:nvGrpSpPr>
-      <p:grpSpPr>
-        <a:xfrm>
-          <a:off x="0" y="0"/>
-          <a:ext cx="0" cy="0"/>
-          <a:chOff x="0" y="0"/>
-          <a:chExt cx="0" cy="0"/>
-        </a:xfrm>
-      </p:grpSpPr>
-      <p:sp>
-        <p:nvSpPr>
-          <p:cNvPr id="2" name="Slide Image Placeholder 1"/>
-          <p:cNvSpPr>
-            <a:spLocks noGrp="1"/>
-          </p:cNvSpPr>
-          <p:nvPr>
-            <p:ph type="sldImg" idx="2"/>
-          </p:nvPr>
-        </p:nvSpPr>
-        <p:spPr/>
-      </p:sp>
-      <p:sp>
-        <p:nvSpPr>
-          <p:cNvPr id="3" name="Notes Placeholder 2"/>
-          <p:cNvSpPr>
-            <a:spLocks noGrp="1"/>
-          </p:cNvSpPr>
-          <p:nvPr>
-            <p:ph type="body" idx="3" sz="quarter"/>
-          </p:nvPr>
-        </p:nvSpPr>
-        <p:spPr/>
-        <p:txBody>
-          <a:bodyPr/>
-          <a:lstStyle/>
-          <a:p>
-            <a:r>
-              <a:t>Two-state model: x1 = storage SoC with efficiency; x2 = frequency/power deviation with damping, power coupling, and storage interaction. This minimal model captures key operational behavior.</a:t>
-            </a:r>
-          </a:p>
-        </p:txBody>
-      </p:sp>
-      <p:sp>
-        <p:nvSpPr>
-          <p:cNvPr id="4" name="Slide Number Placeholder 3"/>
-          <p:cNvSpPr>
-            <a:spLocks noGrp="1"/>
-          </p:cNvSpPr>
-          <p:nvPr>
-            <p:ph type="sldNum" idx="5" sz="quarter"/>
-          </p:nvPr>
-        </p:nvSpPr>
-        <p:spPr/>
-      </p:sp>
-    </p:spTree>
-  </p:cSld>
-  <p:clrMapOvr>
-    <a:masterClrMapping/>
-  </p:clrMapOvr>
-</p:notes>
-</file>
-
-<file path=ppt/notesSlides/notesSlide4.xml><?xml version="1.0" encoding="utf-8"?>
-<p:notes xmlns:a="http://schemas.openxmlformats.org/drawingml/2006/main" xmlns:p="http://schemas.openxmlformats.org/presentationml/2006/main" xmlns:r="http://schemas.openxmlformats.org/officeDocument/2006/relationships">
-  <p:cSld>
-    <p:spTree>
-      <p:nvGrpSpPr>
-        <p:cNvPr id="1" name=""/>
-        <p:cNvGrpSpPr/>
-        <p:nvPr/>
-      </p:nvGrpSpPr>
-      <p:grpSpPr>
-        <a:xfrm>
-          <a:off x="0" y="0"/>
-          <a:ext cx="0" cy="0"/>
-          <a:chOff x="0" y="0"/>
-          <a:chExt cx="0" cy="0"/>
-        </a:xfrm>
-      </p:grpSpPr>
-      <p:sp>
-        <p:nvSpPr>
-          <p:cNvPr id="2" name="Slide Image Placeholder 1"/>
-          <p:cNvSpPr>
-            <a:spLocks noGrp="1"/>
-          </p:cNvSpPr>
-          <p:nvPr>
-            <p:ph type="sldImg" idx="2"/>
-          </p:nvPr>
-        </p:nvSpPr>
-        <p:spPr/>
-      </p:sp>
-      <p:sp>
-        <p:nvSpPr>
-          <p:cNvPr id="3" name="Notes Placeholder 2"/>
-          <p:cNvSpPr>
-            <a:spLocks noGrp="1"/>
-          </p:cNvSpPr>
-          <p:nvPr>
-            <p:ph type="body" idx="3" sz="quarter"/>
-          </p:nvPr>
-        </p:nvSpPr>
-        <p:spPr/>
-        <p:txBody>
-          <a:bodyPr/>
-          <a:lstStyle/>
-          <a:p>
-            <a:r>
-              <a:t>UDE learns only f_theta(P_gen), preserving storage physics. Tiny network (n=3; 9 params), Rosenbrock23 for stiffness, composite loss focused on x2. Symbolic extraction later shows a cubic saturation.</a:t>
-            </a:r>
-          </a:p>
-        </p:txBody>
-      </p:sp>
-      <p:sp>
-        <p:nvSpPr>
-          <p:cNvPr id="4" name="Slide Number Placeholder 3"/>
-          <p:cNvSpPr>
-            <a:spLocks noGrp="1"/>
-          </p:cNvSpPr>
-          <p:nvPr>
-            <p:ph type="sldNum" idx="5" sz="quarter"/>
-          </p:nvPr>
-        </p:nvSpPr>
-        <p:spPr/>
-      </p:sp>
-    </p:spTree>
-  </p:cSld>
-  <p:clrMapOvr>
-    <a:masterClrMapping/>
-  </p:clrMapOvr>
-</p:notes>
-</file>
-
-<file path=ppt/notesSlides/notesSlide5.xml><?xml version="1.0" encoding="utf-8"?>
-<p:notes xmlns:a="http://schemas.openxmlformats.org/drawingml/2006/main" xmlns:p="http://schemas.openxmlformats.org/presentationml/2006/main" xmlns:r="http://schemas.openxmlformats.org/officeDocument/2006/relationships">
-  <p:cSld>
-    <p:spTree>
-      <p:nvGrpSpPr>
-        <p:cNvPr id="1" name=""/>
-        <p:cNvGrpSpPr/>
-        <p:nvPr/>
-      </p:nvGrpSpPr>
-      <p:grpSpPr>
-        <a:xfrm>
-          <a:off x="0" y="0"/>
-          <a:ext cx="0" cy="0"/>
-          <a:chOff x="0" y="0"/>
-          <a:chExt cx="0" cy="0"/>
-        </a:xfrm>
-      </p:grpSpPr>
-      <p:sp>
-        <p:nvSpPr>
-          <p:cNvPr id="2" name="Slide Image Placeholder 1"/>
-          <p:cNvSpPr>
-            <a:spLocks noGrp="1"/>
-          </p:cNvSpPr>
-          <p:nvPr>
-            <p:ph type="sldImg" idx="2"/>
-          </p:nvPr>
-        </p:nvSpPr>
-        <p:spPr/>
-      </p:sp>
-      <p:sp>
-        <p:nvSpPr>
-          <p:cNvPr id="3" name="Notes Placeholder 2"/>
-          <p:cNvSpPr>
-            <a:spLocks noGrp="1"/>
-          </p:cNvSpPr>
-          <p:nvPr>
-            <p:ph type="body" idx="3" sz="quarter"/>
-          </p:nvPr>
-        </p:nvSpPr>
-        <p:spPr/>
-        <p:txBody>
-          <a:bodyPr/>
-          <a:lstStyle/>
-          <a:p>
-            <a:r>
-              <a:t>BNODE places distributions over ODE parameters. We run NUTS, check R-hat/ESS, then apply a single α_cal variance scale to hit nominal coverage. Gives risk-aware predictions useful for chance constraints.</a:t>
-            </a:r>
-          </a:p>
-        </p:txBody>
-      </p:sp>
-      <p:sp>
-        <p:nvSpPr>
-          <p:cNvPr id="4" name="Slide Number Placeholder 3"/>
-          <p:cNvSpPr>
-            <a:spLocks noGrp="1"/>
-          </p:cNvSpPr>
-          <p:nvPr>
-            <p:ph type="sldNum" idx="5" sz="quarter"/>
-          </p:nvPr>
-        </p:nvSpPr>
-        <p:spPr/>
-      </p:sp>
-    </p:spTree>
-  </p:cSld>
-  <p:clrMapOvr>
-    <a:masterClrMapping/>
-  </p:clrMapOvr>
-</p:notes>
-</file>
-
-<file path=ppt/notesSlides/notesSlide6.xml><?xml version="1.0" encoding="utf-8"?>
-<p:notes xmlns:a="http://schemas.openxmlformats.org/drawingml/2006/main" xmlns:p="http://schemas.openxmlformats.org/presentationml/2006/main" xmlns:r="http://schemas.openxmlformats.org/officeDocument/2006/relationships">
-  <p:cSld>
-    <p:spTree>
-      <p:nvGrpSpPr>
-        <p:cNvPr id="1" name=""/>
-        <p:cNvGrpSpPr/>
-        <p:nvPr/>
-      </p:nvGrpSpPr>
-      <p:grpSpPr>
-        <a:xfrm>
-          <a:off x="0" y="0"/>
-          <a:ext cx="0" cy="0"/>
-          <a:chOff x="0" y="0"/>
-          <a:chExt cx="0" cy="0"/>
-        </a:xfrm>
-      </p:grpSpPr>
-      <p:sp>
-        <p:nvSpPr>
-          <p:cNvPr id="2" name="Slide Image Placeholder 1"/>
-          <p:cNvSpPr>
-            <a:spLocks noGrp="1"/>
-          </p:cNvSpPr>
-          <p:nvPr>
-            <p:ph type="sldImg" idx="2"/>
-          </p:nvPr>
-        </p:nvSpPr>
-        <p:spPr/>
-      </p:sp>
-      <p:sp>
-        <p:nvSpPr>
-          <p:cNvPr id="3" name="Notes Placeholder 2"/>
-          <p:cNvSpPr>
-            <a:spLocks noGrp="1"/>
-          </p:cNvSpPr>
-          <p:nvPr>
-            <p:ph type="body" idx="3" sz="quarter"/>
-          </p:nvPr>
-        </p:nvSpPr>
-        <p:spPr/>
-        <p:txBody>
-          <a:bodyPr/>
-          <a:lstStyle/>
-          <a:p>
-            <a:r>
-              <a:t>Test set: 10 scenarios, 2010 points. UDE vs physics on x2 RMSE: 0.2475 vs 0.2520; Δ≈-0.004488 (95% CI [-0.038517, 0.031438]), Wilcoxon p=0.9219. BNODE calibration: 50%/90% ≈ 0.541/0.849; NLL drops ~98.48% after calibration.</a:t>
-            </a:r>
-          </a:p>
-        </p:txBody>
-      </p:sp>
-      <p:sp>
-        <p:nvSpPr>
-          <p:cNvPr id="4" name="Slide Number Placeholder 3"/>
-          <p:cNvSpPr>
-            <a:spLocks noGrp="1"/>
-          </p:cNvSpPr>
-          <p:nvPr>
-            <p:ph type="sldNum" idx="5" sz="quarter"/>
-          </p:nvPr>
-        </p:nvSpPr>
-        <p:spPr/>
-      </p:sp>
-    </p:spTree>
-  </p:cSld>
-  <p:clrMapOvr>
-    <a:masterClrMapping/>
-  </p:clrMapOvr>
-</p:notes>
-</file>
-
-<file path=ppt/notesSlides/notesSlide7.xml><?xml version="1.0" encoding="utf-8"?>
-<p:notes xmlns:a="http://schemas.openxmlformats.org/drawingml/2006/main" xmlns:p="http://schemas.openxmlformats.org/presentationml/2006/main" xmlns:r="http://schemas.openxmlformats.org/officeDocument/2006/relationships">
-  <p:cSld>
-    <p:spTree>
-      <p:nvGrpSpPr>
-        <p:cNvPr id="1" name=""/>
-        <p:cNvGrpSpPr/>
-        <p:nvPr/>
-      </p:nvGrpSpPr>
-      <p:grpSpPr>
-        <a:xfrm>
-          <a:off x="0" y="0"/>
-          <a:ext cx="0" cy="0"/>
-          <a:chOff x="0" y="0"/>
-          <a:chExt cx="0" cy="0"/>
-        </a:xfrm>
-      </p:grpSpPr>
-      <p:sp>
-        <p:nvSpPr>
-          <p:cNvPr id="2" name="Slide Image Placeholder 1"/>
-          <p:cNvSpPr>
-            <a:spLocks noGrp="1"/>
-          </p:cNvSpPr>
-          <p:nvPr>
-            <p:ph type="sldImg" idx="2"/>
-          </p:nvPr>
-        </p:nvSpPr>
-        <p:spPr/>
-      </p:sp>
-      <p:sp>
-        <p:nvSpPr>
-          <p:cNvPr id="3" name="Notes Placeholder 2"/>
-          <p:cNvSpPr>
-            <a:spLocks noGrp="1"/>
-          </p:cNvSpPr>
-          <p:nvPr>
-            <p:ph type="body" idx="3" sz="quarter"/>
-          </p:nvPr>
-        </p:nvSpPr>
-        <p:spPr/>
-        <p:txBody>
-          <a:bodyPr/>
-          <a:lstStyle/>
-          <a:p>
-            <a:r>
-              <a:t>Post-calibration, reliability curves hug the diagonal. Slight over/under-confidence removed by a single global variance scale α_cal. This is actionable for risk-aware ops.</a:t>
-            </a:r>
-          </a:p>
-        </p:txBody>
-      </p:sp>
-      <p:sp>
-        <p:nvSpPr>
-          <p:cNvPr id="4" name="Slide Number Placeholder 3"/>
-          <p:cNvSpPr>
-            <a:spLocks noGrp="1"/>
-          </p:cNvSpPr>
-          <p:nvPr>
-            <p:ph type="sldNum" idx="5" sz="quarter"/>
-          </p:nvPr>
-        </p:nvSpPr>
-        <p:spPr/>
-      </p:sp>
-    </p:spTree>
-  </p:cSld>
-  <p:clrMapOvr>
-    <a:masterClrMapping/>
-  </p:clrMapOvr>
-</p:notes>
-</file>
-
-<file path=ppt/notesSlides/notesSlide8.xml><?xml version="1.0" encoding="utf-8"?>
-<p:notes xmlns:a="http://schemas.openxmlformats.org/drawingml/2006/main" xmlns:p="http://schemas.openxmlformats.org/presentationml/2006/main" xmlns:r="http://schemas.openxmlformats.org/officeDocument/2006/relationships">
-  <p:cSld>
-    <p:spTree>
-      <p:nvGrpSpPr>
-        <p:cNvPr id="1" name=""/>
-        <p:cNvGrpSpPr/>
-        <p:nvPr/>
-      </p:nvGrpSpPr>
-      <p:grpSpPr>
-        <a:xfrm>
-          <a:off x="0" y="0"/>
-          <a:ext cx="0" cy="0"/>
-          <a:chOff x="0" y="0"/>
-          <a:chExt cx="0" cy="0"/>
-        </a:xfrm>
-      </p:grpSpPr>
-      <p:sp>
-        <p:nvSpPr>
-          <p:cNvPr id="2" name="Slide Image Placeholder 1"/>
-          <p:cNvSpPr>
-            <a:spLocks noGrp="1"/>
-          </p:cNvSpPr>
-          <p:nvPr>
-            <p:ph type="sldImg" idx="2"/>
-          </p:nvPr>
-        </p:nvSpPr>
-        <p:spPr/>
-      </p:sp>
-      <p:sp>
-        <p:nvSpPr>
-          <p:cNvPr id="3" name="Notes Placeholder 2"/>
-          <p:cNvSpPr>
-            <a:spLocks noGrp="1"/>
-          </p:cNvSpPr>
-          <p:nvPr>
-            <p:ph type="body" idx="3" sz="quarter"/>
-          </p:nvPr>
-        </p:nvSpPr>
-        <p:spPr/>
-        <p:txBody>
-          <a:bodyPr/>
-          <a:lstStyle/>
-          <a:p>
-            <a:r>
-              <a:t>Posterior predictive bands cover trajectories without bias. No post-warmup divergences, good ESS — posterior seems healthy.</a:t>
-            </a:r>
-          </a:p>
-        </p:txBody>
-      </p:sp>
-      <p:sp>
-        <p:nvSpPr>
-          <p:cNvPr id="4" name="Slide Number Placeholder 3"/>
-          <p:cNvSpPr>
-            <a:spLocks noGrp="1"/>
-          </p:cNvSpPr>
-          <p:nvPr>
-            <p:ph type="sldNum" idx="5" sz="quarter"/>
-          </p:nvPr>
-        </p:nvSpPr>
-        <p:spPr/>
-      </p:sp>
-    </p:spTree>
-  </p:cSld>
-  <p:clrMapOvr>
-    <a:masterClrMapping/>
-  </p:clrMapOvr>
-</p:notes>
-</file>
-
-<file path=ppt/notesSlides/notesSlide9.xml><?xml version="1.0" encoding="utf-8"?>
-<p:notes xmlns:a="http://schemas.openxmlformats.org/drawingml/2006/main" xmlns:p="http://schemas.openxmlformats.org/presentationml/2006/main" xmlns:r="http://schemas.openxmlformats.org/officeDocument/2006/relationships">
-  <p:cSld>
-    <p:spTree>
-      <p:nvGrpSpPr>
-        <p:cNvPr id="1" name=""/>
-        <p:cNvGrpSpPr/>
-        <p:nvPr/>
-      </p:nvGrpSpPr>
-      <p:grpSpPr>
-        <a:xfrm>
-          <a:off x="0" y="0"/>
-          <a:ext cx="0" cy="0"/>
-          <a:chOff x="0" y="0"/>
-          <a:chExt cx="0" cy="0"/>
-        </a:xfrm>
-      </p:grpSpPr>
-      <p:sp>
-        <p:nvSpPr>
-          <p:cNvPr id="2" name="Slide Image Placeholder 1"/>
-          <p:cNvSpPr>
-            <a:spLocks noGrp="1"/>
-          </p:cNvSpPr>
-          <p:nvPr>
-            <p:ph type="sldImg" idx="2"/>
-          </p:nvPr>
-        </p:nvSpPr>
-        <p:spPr/>
-      </p:sp>
-      <p:sp>
-        <p:nvSpPr>
-          <p:cNvPr id="3" name="Notes Placeholder 2"/>
-          <p:cNvSpPr>
-            <a:spLocks noGrp="1"/>
-          </p:cNvSpPr>
-          <p:nvPr>
-            <p:ph type="body" idx="3" sz="quarter"/>
-          </p:nvPr>
-        </p:nvSpPr>
-        <p:spPr/>
-        <p:txBody>
-          <a:bodyPr/>
-          <a:lstStyle/>
-          <a:p>
-            <a:r>
-              <a:t>Global α_cal ≈ 1.8 gives minimal coverage error and massive NLL improvement (268801 → 4089). One knob; big payoff.</a:t>
-            </a:r>
-          </a:p>
-        </p:txBody>
-      </p:sp>
-      <p:sp>
-        <p:nvSpPr>
-          <p:cNvPr id="4" name="Slide Number Placeholder 3"/>
-          <p:cNvSpPr>
-            <a:spLocks noGrp="1"/>
-          </p:cNvSpPr>
-          <p:nvPr>
-            <p:ph type="sldNum" idx="5" sz="quarter"/>
-          </p:nvPr>
-        </p:nvSpPr>
-        <p:spPr/>
-      </p:sp>
-    </p:spTree>
-  </p:cSld>
-  <p:clrMapOvr>
-    <a:masterClrMapping/>
-  </p:clrMapOvr>
-</p:notes>
 </file>
 
 <file path=ppt/slideLayouts/slideLayout1.xml><?xml version="1.0" encoding="utf-8"?>
@@ -4448,7 +3104,7 @@
           <a:lstStyle/>
           <a:p>
             <a:r>
-              <a:t>Learning Microgrid Dynamics via UDEs and Bayesian Neural ODEs</a:t>
+              <a:t>Learning Microgrid Dynamics via UDEs &amp; BNODEs</a:t>
             </a:r>
           </a:p>
         </p:txBody>
@@ -4470,1493 +3126,6 @@
           <a:p>
             <a:r>
               <a:t>Accurate, interpretable, and calibrated models for microgrid decision-making</a:t>
-            </a:r>
-          </a:p>
-        </p:txBody>
-      </p:sp>
-      <p:sp>
-        <p:nvSpPr>
-          <p:cNvPr id="4" name="TextBox 3"/>
-          <p:cNvSpPr txBox="1"/>
-          <p:nvPr/>
-        </p:nvSpPr>
-        <p:spPr>
-          <a:xfrm>
-            <a:off x="457200" y="6126480"/>
-            <a:ext cx="8229600" cy="274320"/>
-          </a:xfrm>
-          <a:prstGeom prst="rect">
-            <a:avLst/>
-          </a:prstGeom>
-          <a:noFill/>
-        </p:spPr>
-        <p:txBody>
-          <a:bodyPr wrap="none">
-            <a:spAutoFit/>
-          </a:bodyPr>
-          <a:lstStyle/>
-          <a:p>
-            <a:r>
-              <a:rPr sz="1000">
-                <a:solidFill>
-                  <a:srgbClr val="787878"/>
-                </a:solidFill>
-              </a:rPr>
-              <a:t>Provenance: release/minimal-figures-and-analysis @ cbbaefe • generated 2025-09-17</a:t>
-            </a:r>
-          </a:p>
-        </p:txBody>
-      </p:sp>
-    </p:spTree>
-  </p:cSld>
-  <p:clrMapOvr>
-    <a:masterClrMapping/>
-  </p:clrMapOvr>
-</p:sld>
-</file>
-
-<file path=ppt/slides/slide10.xml><?xml version="1.0" encoding="utf-8"?>
-<p:sld xmlns:a="http://schemas.openxmlformats.org/drawingml/2006/main" xmlns:p="http://schemas.openxmlformats.org/presentationml/2006/main" xmlns:r="http://schemas.openxmlformats.org/officeDocument/2006/relationships">
-  <p:cSld>
-    <p:spTree>
-      <p:nvGrpSpPr>
-        <p:cNvPr id="1" name=""/>
-        <p:cNvGrpSpPr/>
-        <p:nvPr/>
-      </p:nvGrpSpPr>
-      <p:grpSpPr/>
-      <p:sp>
-        <p:nvSpPr>
-          <p:cNvPr id="2" name="Title 1"/>
-          <p:cNvSpPr>
-            <a:spLocks noGrp="1"/>
-          </p:cNvSpPr>
-          <p:nvPr>
-            <p:ph type="title"/>
-          </p:nvPr>
-        </p:nvSpPr>
-        <p:spPr/>
-        <p:txBody>
-          <a:bodyPr/>
-          <a:lstStyle/>
-          <a:p>
-            <a:r>
-              <a:t>Calibration Sweep — Coverage error &amp; NLL vs α_cal</a:t>
-            </a:r>
-          </a:p>
-        </p:txBody>
-      </p:sp>
-      <p:sp>
-        <p:nvSpPr>
-          <p:cNvPr id="3" name="TextBox 2"/>
-          <p:cNvSpPr txBox="1"/>
-          <p:nvPr/>
-        </p:nvSpPr>
-        <p:spPr>
-          <a:xfrm>
-            <a:off x="731520" y="2286000"/>
-            <a:ext cx="9144000" cy="914400"/>
-          </a:xfrm>
-          <a:prstGeom prst="rect">
-            <a:avLst/>
-          </a:prstGeom>
-          <a:noFill/>
-        </p:spPr>
-        <p:txBody>
-          <a:bodyPr wrap="none">
-            <a:spAutoFit/>
-          </a:bodyPr>
-          <a:lstStyle/>
-          <a:p>
-            <a:r>
-              <a:t>[Missing image: None]</a:t>
-            </a:r>
-          </a:p>
-        </p:txBody>
-      </p:sp>
-      <p:sp>
-        <p:nvSpPr>
-          <p:cNvPr id="4" name="TextBox 3"/>
-          <p:cNvSpPr txBox="1"/>
-          <p:nvPr/>
-        </p:nvSpPr>
-        <p:spPr>
-          <a:xfrm>
-            <a:off x="457200" y="6126480"/>
-            <a:ext cx="8229600" cy="274320"/>
-          </a:xfrm>
-          <a:prstGeom prst="rect">
-            <a:avLst/>
-          </a:prstGeom>
-          <a:noFill/>
-        </p:spPr>
-        <p:txBody>
-          <a:bodyPr wrap="none">
-            <a:spAutoFit/>
-          </a:bodyPr>
-          <a:lstStyle/>
-          <a:p>
-            <a:r>
-              <a:rPr sz="1000">
-                <a:solidFill>
-                  <a:srgbClr val="787878"/>
-                </a:solidFill>
-              </a:rPr>
-              <a:t>Provenance: release/minimal-figures-and-analysis @ cbbaefe • generated 2025-09-17</a:t>
-            </a:r>
-          </a:p>
-        </p:txBody>
-      </p:sp>
-    </p:spTree>
-  </p:cSld>
-  <p:clrMapOvr>
-    <a:masterClrMapping/>
-  </p:clrMapOvr>
-</p:sld>
-</file>
-
-<file path=ppt/slides/slide11.xml><?xml version="1.0" encoding="utf-8"?>
-<p:sld xmlns:a="http://schemas.openxmlformats.org/drawingml/2006/main" xmlns:p="http://schemas.openxmlformats.org/presentationml/2006/main" xmlns:r="http://schemas.openxmlformats.org/officeDocument/2006/relationships">
-  <p:cSld>
-    <p:spTree>
-      <p:nvGrpSpPr>
-        <p:cNvPr id="1" name=""/>
-        <p:cNvGrpSpPr/>
-        <p:nvPr/>
-      </p:nvGrpSpPr>
-      <p:grpSpPr/>
-      <p:sp>
-        <p:nvSpPr>
-          <p:cNvPr id="2" name="Title 1"/>
-          <p:cNvSpPr>
-            <a:spLocks noGrp="1"/>
-          </p:cNvSpPr>
-          <p:nvPr>
-            <p:ph type="title"/>
-          </p:nvPr>
-        </p:nvSpPr>
-        <p:spPr/>
-        <p:txBody>
-          <a:bodyPr/>
-          <a:lstStyle/>
-          <a:p>
-            <a:r>
-              <a:t>UDE Residual (Symbolic) — Cubic fit; R² ≈ 0.982</a:t>
-            </a:r>
-          </a:p>
-        </p:txBody>
-      </p:sp>
-      <p:sp>
-        <p:nvSpPr>
-          <p:cNvPr id="3" name="TextBox 2"/>
-          <p:cNvSpPr txBox="1"/>
-          <p:nvPr/>
-        </p:nvSpPr>
-        <p:spPr>
-          <a:xfrm>
-            <a:off x="731520" y="2286000"/>
-            <a:ext cx="9144000" cy="914400"/>
-          </a:xfrm>
-          <a:prstGeom prst="rect">
-            <a:avLst/>
-          </a:prstGeom>
-          <a:noFill/>
-        </p:spPr>
-        <p:txBody>
-          <a:bodyPr wrap="none">
-            <a:spAutoFit/>
-          </a:bodyPr>
-          <a:lstStyle/>
-          <a:p>
-            <a:r>
-              <a:t>[Missing image: None]</a:t>
-            </a:r>
-          </a:p>
-        </p:txBody>
-      </p:sp>
-      <p:sp>
-        <p:nvSpPr>
-          <p:cNvPr id="4" name="TextBox 3"/>
-          <p:cNvSpPr txBox="1"/>
-          <p:nvPr/>
-        </p:nvSpPr>
-        <p:spPr>
-          <a:xfrm>
-            <a:off x="457200" y="6126480"/>
-            <a:ext cx="8229600" cy="274320"/>
-          </a:xfrm>
-          <a:prstGeom prst="rect">
-            <a:avLst/>
-          </a:prstGeom>
-          <a:noFill/>
-        </p:spPr>
-        <p:txBody>
-          <a:bodyPr wrap="none">
-            <a:spAutoFit/>
-          </a:bodyPr>
-          <a:lstStyle/>
-          <a:p>
-            <a:r>
-              <a:rPr sz="1000">
-                <a:solidFill>
-                  <a:srgbClr val="787878"/>
-                </a:solidFill>
-              </a:rPr>
-              <a:t>Provenance: release/minimal-figures-and-analysis @ cbbaefe • generated 2025-09-17</a:t>
-            </a:r>
-          </a:p>
-        </p:txBody>
-      </p:sp>
-    </p:spTree>
-  </p:cSld>
-  <p:clrMapOvr>
-    <a:masterClrMapping/>
-  </p:clrMapOvr>
-</p:sld>
-</file>
-
-<file path=ppt/slides/slide12.xml><?xml version="1.0" encoding="utf-8"?>
-<p:sld xmlns:a="http://schemas.openxmlformats.org/drawingml/2006/main" xmlns:p="http://schemas.openxmlformats.org/presentationml/2006/main" xmlns:r="http://schemas.openxmlformats.org/officeDocument/2006/relationships">
-  <p:cSld>
-    <p:spTree>
-      <p:nvGrpSpPr>
-        <p:cNvPr id="1" name=""/>
-        <p:cNvGrpSpPr/>
-        <p:nvPr/>
-      </p:nvGrpSpPr>
-      <p:grpSpPr/>
-      <p:sp>
-        <p:nvSpPr>
-          <p:cNvPr id="2" name="Title 1"/>
-          <p:cNvSpPr>
-            <a:spLocks noGrp="1"/>
-          </p:cNvSpPr>
-          <p:nvPr>
-            <p:ph type="title"/>
-          </p:nvPr>
-        </p:nvSpPr>
-        <p:spPr/>
-        <p:txBody>
-          <a:bodyPr/>
-          <a:lstStyle/>
-          <a:p>
-            <a:r>
-              <a:t>UDE Ablations — Width &amp; λ sweeps</a:t>
-            </a:r>
-          </a:p>
-        </p:txBody>
-      </p:sp>
-      <p:sp>
-        <p:nvSpPr>
-          <p:cNvPr id="3" name="TextBox 2"/>
-          <p:cNvSpPr txBox="1"/>
-          <p:nvPr/>
-        </p:nvSpPr>
-        <p:spPr>
-          <a:xfrm>
-            <a:off x="731520" y="2286000"/>
-            <a:ext cx="9144000" cy="914400"/>
-          </a:xfrm>
-          <a:prstGeom prst="rect">
-            <a:avLst/>
-          </a:prstGeom>
-          <a:noFill/>
-        </p:spPr>
-        <p:txBody>
-          <a:bodyPr wrap="none">
-            <a:spAutoFit/>
-          </a:bodyPr>
-          <a:lstStyle/>
-          <a:p>
-            <a:r>
-              <a:t>[Missing image: None]</a:t>
-            </a:r>
-          </a:p>
-        </p:txBody>
-      </p:sp>
-      <p:sp>
-        <p:nvSpPr>
-          <p:cNvPr id="4" name="TextBox 3"/>
-          <p:cNvSpPr txBox="1"/>
-          <p:nvPr/>
-        </p:nvSpPr>
-        <p:spPr>
-          <a:xfrm>
-            <a:off x="457200" y="6126480"/>
-            <a:ext cx="8229600" cy="274320"/>
-          </a:xfrm>
-          <a:prstGeom prst="rect">
-            <a:avLst/>
-          </a:prstGeom>
-          <a:noFill/>
-        </p:spPr>
-        <p:txBody>
-          <a:bodyPr wrap="none">
-            <a:spAutoFit/>
-          </a:bodyPr>
-          <a:lstStyle/>
-          <a:p>
-            <a:r>
-              <a:rPr sz="1000">
-                <a:solidFill>
-                  <a:srgbClr val="787878"/>
-                </a:solidFill>
-              </a:rPr>
-              <a:t>Provenance: release/minimal-figures-and-analysis @ cbbaefe • generated 2025-09-17</a:t>
-            </a:r>
-          </a:p>
-        </p:txBody>
-      </p:sp>
-    </p:spTree>
-  </p:cSld>
-  <p:clrMapOvr>
-    <a:masterClrMapping/>
-  </p:clrMapOvr>
-</p:sld>
-</file>
-
-<file path=ppt/slides/slide13.xml><?xml version="1.0" encoding="utf-8"?>
-<p:sld xmlns:a="http://schemas.openxmlformats.org/drawingml/2006/main" xmlns:p="http://schemas.openxmlformats.org/presentationml/2006/main" xmlns:r="http://schemas.openxmlformats.org/officeDocument/2006/relationships">
-  <p:cSld>
-    <p:spTree>
-      <p:nvGrpSpPr>
-        <p:cNvPr id="1" name=""/>
-        <p:cNvGrpSpPr/>
-        <p:nvPr/>
-      </p:nvGrpSpPr>
-      <p:grpSpPr/>
-      <p:sp>
-        <p:nvSpPr>
-          <p:cNvPr id="2" name="Title 1"/>
-          <p:cNvSpPr>
-            <a:spLocks noGrp="1"/>
-          </p:cNvSpPr>
-          <p:nvPr>
-            <p:ph type="title"/>
-          </p:nvPr>
-        </p:nvSpPr>
-        <p:spPr/>
-        <p:txBody>
-          <a:bodyPr/>
-          <a:lstStyle/>
-          <a:p>
-            <a:r>
-              <a:t>Noise Robustness — UDE RMSE &amp; BNODE intervals vs σ</a:t>
-            </a:r>
-          </a:p>
-        </p:txBody>
-      </p:sp>
-      <p:sp>
-        <p:nvSpPr>
-          <p:cNvPr id="3" name="TextBox 2"/>
-          <p:cNvSpPr txBox="1"/>
-          <p:nvPr/>
-        </p:nvSpPr>
-        <p:spPr>
-          <a:xfrm>
-            <a:off x="731520" y="2286000"/>
-            <a:ext cx="9144000" cy="914400"/>
-          </a:xfrm>
-          <a:prstGeom prst="rect">
-            <a:avLst/>
-          </a:prstGeom>
-          <a:noFill/>
-        </p:spPr>
-        <p:txBody>
-          <a:bodyPr wrap="none">
-            <a:spAutoFit/>
-          </a:bodyPr>
-          <a:lstStyle/>
-          <a:p>
-            <a:r>
-              <a:t>[Missing image: None]</a:t>
-            </a:r>
-          </a:p>
-        </p:txBody>
-      </p:sp>
-      <p:sp>
-        <p:nvSpPr>
-          <p:cNvPr id="4" name="TextBox 3"/>
-          <p:cNvSpPr txBox="1"/>
-          <p:nvPr/>
-        </p:nvSpPr>
-        <p:spPr>
-          <a:xfrm>
-            <a:off x="457200" y="6126480"/>
-            <a:ext cx="8229600" cy="274320"/>
-          </a:xfrm>
-          <a:prstGeom prst="rect">
-            <a:avLst/>
-          </a:prstGeom>
-          <a:noFill/>
-        </p:spPr>
-        <p:txBody>
-          <a:bodyPr wrap="none">
-            <a:spAutoFit/>
-          </a:bodyPr>
-          <a:lstStyle/>
-          <a:p>
-            <a:r>
-              <a:rPr sz="1000">
-                <a:solidFill>
-                  <a:srgbClr val="787878"/>
-                </a:solidFill>
-              </a:rPr>
-              <a:t>Provenance: release/minimal-figures-and-analysis @ cbbaefe • generated 2025-09-17</a:t>
-            </a:r>
-          </a:p>
-        </p:txBody>
-      </p:sp>
-    </p:spTree>
-  </p:cSld>
-  <p:clrMapOvr>
-    <a:masterClrMapping/>
-  </p:clrMapOvr>
-</p:sld>
-</file>
-
-<file path=ppt/slides/slide14.xml><?xml version="1.0" encoding="utf-8"?>
-<p:sld xmlns:a="http://schemas.openxmlformats.org/drawingml/2006/main" xmlns:p="http://schemas.openxmlformats.org/presentationml/2006/main" xmlns:r="http://schemas.openxmlformats.org/officeDocument/2006/relationships">
-  <p:cSld>
-    <p:spTree>
-      <p:nvGrpSpPr>
-        <p:cNvPr id="1" name=""/>
-        <p:cNvGrpSpPr/>
-        <p:nvPr/>
-      </p:nvGrpSpPr>
-      <p:grpSpPr/>
-      <p:sp>
-        <p:nvSpPr>
-          <p:cNvPr id="2" name="Title 1"/>
-          <p:cNvSpPr>
-            <a:spLocks noGrp="1"/>
-          </p:cNvSpPr>
-          <p:nvPr>
-            <p:ph type="title"/>
-          </p:nvPr>
-        </p:nvSpPr>
-        <p:spPr/>
-        <p:txBody>
-          <a:bodyPr/>
-          <a:lstStyle/>
-          <a:p>
-            <a:r>
-              <a:t>Runtime &amp; Deployment</a:t>
-            </a:r>
-          </a:p>
-        </p:txBody>
-      </p:sp>
-      <p:sp>
-        <p:nvSpPr>
-          <p:cNvPr id="3" name="Content Placeholder 2"/>
-          <p:cNvSpPr>
-            <a:spLocks noGrp="1"/>
-          </p:cNvSpPr>
-          <p:nvPr>
-            <p:ph idx="1"/>
-          </p:nvPr>
-        </p:nvSpPr>
-        <p:spPr/>
-        <p:txBody>
-          <a:bodyPr/>
-          <a:lstStyle/>
-          <a:p>
-            <a:pPr/>
-            <a:r>
-              <a:t>Sub-ms UDE trajectories with stiff solver → real-time feasible</a:t>
-            </a:r>
-          </a:p>
-          <a:p>
-            <a:pPr/>
-            <a:r>
-              <a:t>BNODE for planning: intervals for chance constraints</a:t>
-            </a:r>
-          </a:p>
-          <a:p>
-            <a:pPr/>
-            <a:r>
-              <a:t>Hybrid strategy: UDE in the loop, BNODE audits</a:t>
-            </a:r>
-          </a:p>
-        </p:txBody>
-      </p:sp>
-      <p:sp>
-        <p:nvSpPr>
-          <p:cNvPr id="4" name="TextBox 3"/>
-          <p:cNvSpPr txBox="1"/>
-          <p:nvPr/>
-        </p:nvSpPr>
-        <p:spPr>
-          <a:xfrm>
-            <a:off x="457200" y="6126480"/>
-            <a:ext cx="8229600" cy="274320"/>
-          </a:xfrm>
-          <a:prstGeom prst="rect">
-            <a:avLst/>
-          </a:prstGeom>
-          <a:noFill/>
-        </p:spPr>
-        <p:txBody>
-          <a:bodyPr wrap="none">
-            <a:spAutoFit/>
-          </a:bodyPr>
-          <a:lstStyle/>
-          <a:p>
-            <a:r>
-              <a:rPr sz="1000">
-                <a:solidFill>
-                  <a:srgbClr val="787878"/>
-                </a:solidFill>
-              </a:rPr>
-              <a:t>Provenance: release/minimal-figures-and-analysis @ cbbaefe • generated 2025-09-17</a:t>
-            </a:r>
-          </a:p>
-        </p:txBody>
-      </p:sp>
-    </p:spTree>
-  </p:cSld>
-  <p:clrMapOvr>
-    <a:masterClrMapping/>
-  </p:clrMapOvr>
-</p:sld>
-</file>
-
-<file path=ppt/slides/slide15.xml><?xml version="1.0" encoding="utf-8"?>
-<p:sld xmlns:a="http://schemas.openxmlformats.org/drawingml/2006/main" xmlns:p="http://schemas.openxmlformats.org/presentationml/2006/main" xmlns:r="http://schemas.openxmlformats.org/officeDocument/2006/relationships">
-  <p:cSld>
-    <p:spTree>
-      <p:nvGrpSpPr>
-        <p:cNvPr id="1" name=""/>
-        <p:cNvGrpSpPr/>
-        <p:nvPr/>
-      </p:nvGrpSpPr>
-      <p:grpSpPr/>
-      <p:sp>
-        <p:nvSpPr>
-          <p:cNvPr id="2" name="Title 1"/>
-          <p:cNvSpPr>
-            <a:spLocks noGrp="1"/>
-          </p:cNvSpPr>
-          <p:nvPr>
-            <p:ph type="title"/>
-          </p:nvPr>
-        </p:nvSpPr>
-        <p:spPr/>
-        <p:txBody>
-          <a:bodyPr/>
-          <a:lstStyle/>
-          <a:p>
-            <a:r>
-              <a:t>Takeaways</a:t>
-            </a:r>
-          </a:p>
-        </p:txBody>
-      </p:sp>
-      <p:sp>
-        <p:nvSpPr>
-          <p:cNvPr id="3" name="Content Placeholder 2"/>
-          <p:cNvSpPr>
-            <a:spLocks noGrp="1"/>
-          </p:cNvSpPr>
-          <p:nvPr>
-            <p:ph idx="1"/>
-          </p:nvPr>
-        </p:nvSpPr>
-        <p:spPr/>
-        <p:txBody>
-          <a:bodyPr/>
-          <a:lstStyle/>
-          <a:p>
-            <a:pPr/>
-            <a:r>
-              <a:t>UDE: physics-comparable accuracy + interpretability (cubic saturation)</a:t>
-            </a:r>
-          </a:p>
-          <a:p>
-            <a:pPr/>
-            <a:r>
-              <a:t>BNODE: calibrated UQ (single α_cal), actionable risk</a:t>
-            </a:r>
-          </a:p>
-          <a:p>
-            <a:pPr/>
-            <a:r>
-              <a:t>Together: reliable surrogates for control &amp; planning</a:t>
-            </a:r>
-          </a:p>
-        </p:txBody>
-      </p:sp>
-      <p:sp>
-        <p:nvSpPr>
-          <p:cNvPr id="4" name="TextBox 3"/>
-          <p:cNvSpPr txBox="1"/>
-          <p:nvPr/>
-        </p:nvSpPr>
-        <p:spPr>
-          <a:xfrm>
-            <a:off x="457200" y="6126480"/>
-            <a:ext cx="8229600" cy="274320"/>
-          </a:xfrm>
-          <a:prstGeom prst="rect">
-            <a:avLst/>
-          </a:prstGeom>
-          <a:noFill/>
-        </p:spPr>
-        <p:txBody>
-          <a:bodyPr wrap="none">
-            <a:spAutoFit/>
-          </a:bodyPr>
-          <a:lstStyle/>
-          <a:p>
-            <a:r>
-              <a:rPr sz="1000">
-                <a:solidFill>
-                  <a:srgbClr val="787878"/>
-                </a:solidFill>
-              </a:rPr>
-              <a:t>Provenance: release/minimal-figures-and-analysis @ cbbaefe • generated 2025-09-17</a:t>
-            </a:r>
-          </a:p>
-        </p:txBody>
-      </p:sp>
-    </p:spTree>
-  </p:cSld>
-  <p:clrMapOvr>
-    <a:masterClrMapping/>
-  </p:clrMapOvr>
-</p:sld>
-</file>
-
-<file path=ppt/slides/slide2.xml><?xml version="1.0" encoding="utf-8"?>
-<p:sld xmlns:a="http://schemas.openxmlformats.org/drawingml/2006/main" xmlns:p="http://schemas.openxmlformats.org/presentationml/2006/main" xmlns:r="http://schemas.openxmlformats.org/officeDocument/2006/relationships">
-  <p:cSld>
-    <p:spTree>
-      <p:nvGrpSpPr>
-        <p:cNvPr id="1" name=""/>
-        <p:cNvGrpSpPr/>
-        <p:nvPr/>
-      </p:nvGrpSpPr>
-      <p:grpSpPr/>
-      <p:sp>
-        <p:nvSpPr>
-          <p:cNvPr id="2" name="Title 1"/>
-          <p:cNvSpPr>
-            <a:spLocks noGrp="1"/>
-          </p:cNvSpPr>
-          <p:nvPr>
-            <p:ph type="title"/>
-          </p:nvPr>
-        </p:nvSpPr>
-        <p:spPr/>
-        <p:txBody>
-          <a:bodyPr/>
-          <a:lstStyle/>
-          <a:p>
-            <a:r>
-              <a:t>Why SciML for Microgrids?</a:t>
-            </a:r>
-          </a:p>
-        </p:txBody>
-      </p:sp>
-      <p:sp>
-        <p:nvSpPr>
-          <p:cNvPr id="3" name="Content Placeholder 2"/>
-          <p:cNvSpPr>
-            <a:spLocks noGrp="1"/>
-          </p:cNvSpPr>
-          <p:nvPr>
-            <p:ph idx="1"/>
-          </p:nvPr>
-        </p:nvSpPr>
-        <p:spPr/>
-        <p:txBody>
-          <a:bodyPr/>
-          <a:lstStyle/>
-          <a:p>
-            <a:pPr/>
-            <a:r>
-              <a:t>Fast, nonlinear, mode-switching dynamics; stiff DAEs are slow, black-box learners violate physics</a:t>
-            </a:r>
-          </a:p>
-          <a:p>
-            <a:pPr/>
-            <a:r>
-              <a:t>Goal: accurate, interpretable, calibrated surrogates for control &amp; what-if planning</a:t>
-            </a:r>
-          </a:p>
-          <a:p>
-            <a:pPr/>
-            <a:r>
-              <a:t>Approach: UDE (physics + learned residual) and BNODE (Bayesian Neural ODE with calibration)</a:t>
-            </a:r>
-          </a:p>
-        </p:txBody>
-      </p:sp>
-      <p:sp>
-        <p:nvSpPr>
-          <p:cNvPr id="4" name="TextBox 3"/>
-          <p:cNvSpPr txBox="1"/>
-          <p:nvPr/>
-        </p:nvSpPr>
-        <p:spPr>
-          <a:xfrm>
-            <a:off x="457200" y="6126480"/>
-            <a:ext cx="8229600" cy="274320"/>
-          </a:xfrm>
-          <a:prstGeom prst="rect">
-            <a:avLst/>
-          </a:prstGeom>
-          <a:noFill/>
-        </p:spPr>
-        <p:txBody>
-          <a:bodyPr wrap="none">
-            <a:spAutoFit/>
-          </a:bodyPr>
-          <a:lstStyle/>
-          <a:p>
-            <a:r>
-              <a:rPr sz="1000">
-                <a:solidFill>
-                  <a:srgbClr val="787878"/>
-                </a:solidFill>
-              </a:rPr>
-              <a:t>Provenance: release/minimal-figures-and-analysis @ cbbaefe • generated 2025-09-17</a:t>
-            </a:r>
-          </a:p>
-        </p:txBody>
-      </p:sp>
-    </p:spTree>
-  </p:cSld>
-  <p:clrMapOvr>
-    <a:masterClrMapping/>
-  </p:clrMapOvr>
-</p:sld>
-</file>
-
-<file path=ppt/slides/slide3.xml><?xml version="1.0" encoding="utf-8"?>
-<p:sld xmlns:a="http://schemas.openxmlformats.org/drawingml/2006/main" xmlns:p="http://schemas.openxmlformats.org/presentationml/2006/main" xmlns:r="http://schemas.openxmlformats.org/officeDocument/2006/relationships">
-  <p:cSld>
-    <p:spTree>
-      <p:nvGrpSpPr>
-        <p:cNvPr id="1" name=""/>
-        <p:cNvGrpSpPr/>
-        <p:nvPr/>
-      </p:nvGrpSpPr>
-      <p:grpSpPr/>
-      <p:sp>
-        <p:nvSpPr>
-          <p:cNvPr id="2" name="Title 1"/>
-          <p:cNvSpPr>
-            <a:spLocks noGrp="1"/>
-          </p:cNvSpPr>
-          <p:nvPr>
-            <p:ph type="title"/>
-          </p:nvPr>
-        </p:nvSpPr>
-        <p:spPr/>
-        <p:txBody>
-          <a:bodyPr/>
-          <a:lstStyle/>
-          <a:p>
-            <a:r>
-              <a:t>Limits of PINNs &amp; Pure Black-Box</a:t>
-            </a:r>
-          </a:p>
-        </p:txBody>
-      </p:sp>
-      <p:sp>
-        <p:nvSpPr>
-          <p:cNvPr id="3" name="Content Placeholder 2"/>
-          <p:cNvSpPr>
-            <a:spLocks noGrp="1"/>
-          </p:cNvSpPr>
-          <p:nvPr>
-            <p:ph idx="1"/>
-          </p:nvPr>
-        </p:nvSpPr>
-        <p:spPr/>
-        <p:txBody>
-          <a:bodyPr/>
-          <a:lstStyle/>
-          <a:p>
-            <a:pPr/>
-            <a:r>
-              <a:t>PINNs: failure modes &amp; gradient pathologies; spectral bias; stiffness challenges</a:t>
-            </a:r>
-          </a:p>
-          <a:p>
-            <a:pPr/>
-            <a:r>
-              <a:t>Black-box: poor extrapolation; constraint violations</a:t>
-            </a:r>
-          </a:p>
-          <a:p>
-            <a:pPr/>
-            <a:r>
-              <a:t>Structure-preserving ODEs + stiff solvers avoid these issues</a:t>
-            </a:r>
-          </a:p>
-        </p:txBody>
-      </p:sp>
-      <p:sp>
-        <p:nvSpPr>
-          <p:cNvPr id="4" name="TextBox 3"/>
-          <p:cNvSpPr txBox="1"/>
-          <p:nvPr/>
-        </p:nvSpPr>
-        <p:spPr>
-          <a:xfrm>
-            <a:off x="457200" y="6126480"/>
-            <a:ext cx="8229600" cy="274320"/>
-          </a:xfrm>
-          <a:prstGeom prst="rect">
-            <a:avLst/>
-          </a:prstGeom>
-          <a:noFill/>
-        </p:spPr>
-        <p:txBody>
-          <a:bodyPr wrap="none">
-            <a:spAutoFit/>
-          </a:bodyPr>
-          <a:lstStyle/>
-          <a:p>
-            <a:r>
-              <a:rPr sz="1000">
-                <a:solidFill>
-                  <a:srgbClr val="787878"/>
-                </a:solidFill>
-              </a:rPr>
-              <a:t>Provenance: release/minimal-figures-and-analysis @ cbbaefe • generated 2025-09-17</a:t>
-            </a:r>
-          </a:p>
-        </p:txBody>
-      </p:sp>
-    </p:spTree>
-  </p:cSld>
-  <p:clrMapOvr>
-    <a:masterClrMapping/>
-  </p:clrMapOvr>
-</p:sld>
-</file>
-
-<file path=ppt/slides/slide4.xml><?xml version="1.0" encoding="utf-8"?>
-<p:sld xmlns:a="http://schemas.openxmlformats.org/drawingml/2006/main" xmlns:p="http://schemas.openxmlformats.org/presentationml/2006/main" xmlns:r="http://schemas.openxmlformats.org/officeDocument/2006/relationships">
-  <p:cSld>
-    <p:spTree>
-      <p:nvGrpSpPr>
-        <p:cNvPr id="1" name=""/>
-        <p:cNvGrpSpPr/>
-        <p:nvPr/>
-      </p:nvGrpSpPr>
-      <p:grpSpPr/>
-      <p:sp>
-        <p:nvSpPr>
-          <p:cNvPr id="2" name="Title 1"/>
-          <p:cNvSpPr>
-            <a:spLocks noGrp="1"/>
-          </p:cNvSpPr>
-          <p:nvPr>
-            <p:ph type="title"/>
-          </p:nvPr>
-        </p:nvSpPr>
-        <p:spPr/>
-        <p:txBody>
-          <a:bodyPr/>
-          <a:lstStyle/>
-          <a:p>
-            <a:r>
-              <a:t>Two-State Microgrid Model</a:t>
-            </a:r>
-          </a:p>
-        </p:txBody>
-      </p:sp>
-      <p:sp>
-        <p:nvSpPr>
-          <p:cNvPr id="3" name="Content Placeholder 2"/>
-          <p:cNvSpPr>
-            <a:spLocks noGrp="1"/>
-          </p:cNvSpPr>
-          <p:nvPr>
-            <p:ph idx="1"/>
-          </p:nvPr>
-        </p:nvSpPr>
-        <p:spPr/>
-        <p:txBody>
-          <a:bodyPr/>
-          <a:lstStyle/>
-          <a:p>
-            <a:pPr/>
-            <a:r>
-              <a:t>x₁: storage SoC with efficiency losses;  x₂: frequency/power deviation</a:t>
-            </a:r>
-          </a:p>
-          <a:p>
-            <a:pPr/>
-            <a:r>
-              <a:t>dx₂/dt = −α x₂ + β(P_gen − P_load) + γ x₁</a:t>
-            </a:r>
-          </a:p>
-          <a:p>
-            <a:pPr/>
-            <a:r>
-              <a:t>Testbed for structure-aware learning and calibrated UQ</a:t>
-            </a:r>
-          </a:p>
-        </p:txBody>
-      </p:sp>
-      <p:sp>
-        <p:nvSpPr>
-          <p:cNvPr id="4" name="TextBox 3"/>
-          <p:cNvSpPr txBox="1"/>
-          <p:nvPr/>
-        </p:nvSpPr>
-        <p:spPr>
-          <a:xfrm>
-            <a:off x="457200" y="6126480"/>
-            <a:ext cx="8229600" cy="274320"/>
-          </a:xfrm>
-          <a:prstGeom prst="rect">
-            <a:avLst/>
-          </a:prstGeom>
-          <a:noFill/>
-        </p:spPr>
-        <p:txBody>
-          <a:bodyPr wrap="none">
-            <a:spAutoFit/>
-          </a:bodyPr>
-          <a:lstStyle/>
-          <a:p>
-            <a:r>
-              <a:rPr sz="1000">
-                <a:solidFill>
-                  <a:srgbClr val="787878"/>
-                </a:solidFill>
-              </a:rPr>
-              <a:t>Provenance: release/minimal-figures-and-analysis @ cbbaefe • generated 2025-09-17</a:t>
-            </a:r>
-          </a:p>
-        </p:txBody>
-      </p:sp>
-    </p:spTree>
-  </p:cSld>
-  <p:clrMapOvr>
-    <a:masterClrMapping/>
-  </p:clrMapOvr>
-</p:sld>
-</file>
-
-<file path=ppt/slides/slide5.xml><?xml version="1.0" encoding="utf-8"?>
-<p:sld xmlns:a="http://schemas.openxmlformats.org/drawingml/2006/main" xmlns:p="http://schemas.openxmlformats.org/presentationml/2006/main" xmlns:r="http://schemas.openxmlformats.org/officeDocument/2006/relationships">
-  <p:cSld>
-    <p:spTree>
-      <p:nvGrpSpPr>
-        <p:cNvPr id="1" name=""/>
-        <p:cNvGrpSpPr/>
-        <p:nvPr/>
-      </p:nvGrpSpPr>
-      <p:grpSpPr/>
-      <p:sp>
-        <p:nvSpPr>
-          <p:cNvPr id="2" name="Title 1"/>
-          <p:cNvSpPr>
-            <a:spLocks noGrp="1"/>
-          </p:cNvSpPr>
-          <p:nvPr>
-            <p:ph type="title"/>
-          </p:nvPr>
-        </p:nvSpPr>
-        <p:spPr/>
-        <p:txBody>
-          <a:bodyPr/>
-          <a:lstStyle/>
-          <a:p>
-            <a:r>
-              <a:t>UDE: Physics + Learned Residual</a:t>
-            </a:r>
-          </a:p>
-        </p:txBody>
-      </p:sp>
-      <p:sp>
-        <p:nvSpPr>
-          <p:cNvPr id="3" name="Content Placeholder 2"/>
-          <p:cNvSpPr>
-            <a:spLocks noGrp="1"/>
-          </p:cNvSpPr>
-          <p:nvPr>
-            <p:ph idx="1"/>
-          </p:nvPr>
-        </p:nvSpPr>
-        <p:spPr/>
-        <p:txBody>
-          <a:bodyPr/>
-          <a:lstStyle/>
-          <a:p>
-            <a:pPr/>
-            <a:r>
-              <a:t>Learn fθ(P_gen) only; preserve storage physics</a:t>
-            </a:r>
-          </a:p>
-          <a:p>
-            <a:pPr/>
-            <a:r>
-              <a:t>Tiny MLP (n=3; 9 params), Rosenbrock23, composite loss favoring x₂</a:t>
-            </a:r>
-          </a:p>
-          <a:p>
-            <a:pPr/>
-            <a:r>
-              <a:t>Symbolic extraction → cubic saturation insight</a:t>
-            </a:r>
-          </a:p>
-        </p:txBody>
-      </p:sp>
-      <p:sp>
-        <p:nvSpPr>
-          <p:cNvPr id="4" name="TextBox 3"/>
-          <p:cNvSpPr txBox="1"/>
-          <p:nvPr/>
-        </p:nvSpPr>
-        <p:spPr>
-          <a:xfrm>
-            <a:off x="457200" y="6126480"/>
-            <a:ext cx="8229600" cy="274320"/>
-          </a:xfrm>
-          <a:prstGeom prst="rect">
-            <a:avLst/>
-          </a:prstGeom>
-          <a:noFill/>
-        </p:spPr>
-        <p:txBody>
-          <a:bodyPr wrap="none">
-            <a:spAutoFit/>
-          </a:bodyPr>
-          <a:lstStyle/>
-          <a:p>
-            <a:r>
-              <a:rPr sz="1000">
-                <a:solidFill>
-                  <a:srgbClr val="787878"/>
-                </a:solidFill>
-              </a:rPr>
-              <a:t>Provenance: release/minimal-figures-and-analysis @ cbbaefe • generated 2025-09-17</a:t>
-            </a:r>
-          </a:p>
-        </p:txBody>
-      </p:sp>
-    </p:spTree>
-  </p:cSld>
-  <p:clrMapOvr>
-    <a:masterClrMapping/>
-  </p:clrMapOvr>
-</p:sld>
-</file>
-
-<file path=ppt/slides/slide6.xml><?xml version="1.0" encoding="utf-8"?>
-<p:sld xmlns:a="http://schemas.openxmlformats.org/drawingml/2006/main" xmlns:p="http://schemas.openxmlformats.org/presentationml/2006/main" xmlns:r="http://schemas.openxmlformats.org/officeDocument/2006/relationships">
-  <p:cSld>
-    <p:spTree>
-      <p:nvGrpSpPr>
-        <p:cNvPr id="1" name=""/>
-        <p:cNvGrpSpPr/>
-        <p:nvPr/>
-      </p:nvGrpSpPr>
-      <p:grpSpPr/>
-      <p:sp>
-        <p:nvSpPr>
-          <p:cNvPr id="2" name="Title 1"/>
-          <p:cNvSpPr>
-            <a:spLocks noGrp="1"/>
-          </p:cNvSpPr>
-          <p:nvPr>
-            <p:ph type="title"/>
-          </p:nvPr>
-        </p:nvSpPr>
-        <p:spPr/>
-        <p:txBody>
-          <a:bodyPr/>
-          <a:lstStyle/>
-          <a:p>
-            <a:r>
-              <a:t>BNODE: Uncertainty-Aware Dynamics</a:t>
-            </a:r>
-          </a:p>
-        </p:txBody>
-      </p:sp>
-      <p:sp>
-        <p:nvSpPr>
-          <p:cNvPr id="3" name="Content Placeholder 2"/>
-          <p:cNvSpPr>
-            <a:spLocks noGrp="1"/>
-          </p:cNvSpPr>
-          <p:nvPr>
-            <p:ph idx="1"/>
-          </p:nvPr>
-        </p:nvSpPr>
-        <p:spPr/>
-        <p:txBody>
-          <a:bodyPr/>
-          <a:lstStyle/>
-          <a:p>
-            <a:pPr/>
-            <a:r>
-              <a:t>Bayesian parameters; NUTS sampling; PPC checks</a:t>
-            </a:r>
-          </a:p>
-          <a:p>
-            <a:pPr/>
-            <a:r>
-              <a:t>Single α_cal post-calibration for nominal coverage</a:t>
-            </a:r>
-          </a:p>
-          <a:p>
-            <a:pPr/>
-            <a:r>
-              <a:t>Enables chance-constrained, risk-aware ops</a:t>
-            </a:r>
-          </a:p>
-        </p:txBody>
-      </p:sp>
-      <p:sp>
-        <p:nvSpPr>
-          <p:cNvPr id="4" name="TextBox 3"/>
-          <p:cNvSpPr txBox="1"/>
-          <p:nvPr/>
-        </p:nvSpPr>
-        <p:spPr>
-          <a:xfrm>
-            <a:off x="457200" y="6126480"/>
-            <a:ext cx="8229600" cy="274320"/>
-          </a:xfrm>
-          <a:prstGeom prst="rect">
-            <a:avLst/>
-          </a:prstGeom>
-          <a:noFill/>
-        </p:spPr>
-        <p:txBody>
-          <a:bodyPr wrap="none">
-            <a:spAutoFit/>
-          </a:bodyPr>
-          <a:lstStyle/>
-          <a:p>
-            <a:r>
-              <a:rPr sz="1000">
-                <a:solidFill>
-                  <a:srgbClr val="787878"/>
-                </a:solidFill>
-              </a:rPr>
-              <a:t>Provenance: release/minimal-figures-and-analysis @ cbbaefe • generated 2025-09-17</a:t>
-            </a:r>
-          </a:p>
-        </p:txBody>
-      </p:sp>
-    </p:spTree>
-  </p:cSld>
-  <p:clrMapOvr>
-    <a:masterClrMapping/>
-  </p:clrMapOvr>
-</p:sld>
-</file>
-
-<file path=ppt/slides/slide7.xml><?xml version="1.0" encoding="utf-8"?>
-<p:sld xmlns:a="http://schemas.openxmlformats.org/drawingml/2006/main" xmlns:p="http://schemas.openxmlformats.org/presentationml/2006/main" xmlns:r="http://schemas.openxmlformats.org/officeDocument/2006/relationships">
-  <p:cSld>
-    <p:spTree>
-      <p:nvGrpSpPr>
-        <p:cNvPr id="1" name=""/>
-        <p:cNvGrpSpPr/>
-        <p:nvPr/>
-      </p:nvGrpSpPr>
-      <p:grpSpPr/>
-      <p:sp>
-        <p:nvSpPr>
-          <p:cNvPr id="2" name="Title 1"/>
-          <p:cNvSpPr>
-            <a:spLocks noGrp="1"/>
-          </p:cNvSpPr>
-          <p:nvPr>
-            <p:ph type="title"/>
-          </p:nvPr>
-        </p:nvSpPr>
-        <p:spPr/>
-        <p:txBody>
-          <a:bodyPr/>
-          <a:lstStyle/>
-          <a:p>
-            <a:r>
-              <a:t>Results Summary</a:t>
-            </a:r>
-          </a:p>
-        </p:txBody>
-      </p:sp>
-      <p:sp>
-        <p:nvSpPr>
-          <p:cNvPr id="3" name="Content Placeholder 2"/>
-          <p:cNvSpPr>
-            <a:spLocks noGrp="1"/>
-          </p:cNvSpPr>
-          <p:nvPr>
-            <p:ph idx="1"/>
-          </p:nvPr>
-        </p:nvSpPr>
-        <p:spPr/>
-        <p:txBody>
-          <a:bodyPr/>
-          <a:lstStyle/>
-          <a:p>
-            <a:pPr/>
-            <a:r>
-              <a:t>Test set: 10 scenarios / 2010 points</a:t>
-            </a:r>
-          </a:p>
-          <a:p>
-            <a:pPr/>
-            <a:r>
-              <a:t>UDE vs Physics (x₂ RMSE): 0.2475 vs 0.2520</a:t>
-            </a:r>
-          </a:p>
-          <a:p>
-            <a:pPr/>
-            <a:r>
-              <a:t>Δ=-0.004488 (95% CI [-0.038517, 0.031438]), Wilcoxon p=0.9219</a:t>
-            </a:r>
-          </a:p>
-          <a:p>
-            <a:pPr/>
-            <a:r>
-              <a:t>BNODE coverage ~ 0.541 / 0.849 (50% / 90%), NLL ↓ ~98.48% after calibration</a:t>
-            </a:r>
-          </a:p>
-        </p:txBody>
-      </p:sp>
-      <p:sp>
-        <p:nvSpPr>
-          <p:cNvPr id="4" name="TextBox 3"/>
-          <p:cNvSpPr txBox="1"/>
-          <p:nvPr/>
-        </p:nvSpPr>
-        <p:spPr>
-          <a:xfrm>
-            <a:off x="457200" y="6126480"/>
-            <a:ext cx="8229600" cy="274320"/>
-          </a:xfrm>
-          <a:prstGeom prst="rect">
-            <a:avLst/>
-          </a:prstGeom>
-          <a:noFill/>
-        </p:spPr>
-        <p:txBody>
-          <a:bodyPr wrap="none">
-            <a:spAutoFit/>
-          </a:bodyPr>
-          <a:lstStyle/>
-          <a:p>
-            <a:r>
-              <a:rPr sz="1000">
-                <a:solidFill>
-                  <a:srgbClr val="787878"/>
-                </a:solidFill>
-              </a:rPr>
-              <a:t>Provenance: release/minimal-figures-and-analysis @ cbbaefe • generated 2025-09-17</a:t>
-            </a:r>
-          </a:p>
-        </p:txBody>
-      </p:sp>
-    </p:spTree>
-  </p:cSld>
-  <p:clrMapOvr>
-    <a:masterClrMapping/>
-  </p:clrMapOvr>
-</p:sld>
-</file>
-
-<file path=ppt/slides/slide8.xml><?xml version="1.0" encoding="utf-8"?>
-<p:sld xmlns:a="http://schemas.openxmlformats.org/drawingml/2006/main" xmlns:p="http://schemas.openxmlformats.org/presentationml/2006/main" xmlns:r="http://schemas.openxmlformats.org/officeDocument/2006/relationships">
-  <p:cSld>
-    <p:spTree>
-      <p:nvGrpSpPr>
-        <p:cNvPr id="1" name=""/>
-        <p:cNvGrpSpPr/>
-        <p:nvPr/>
-      </p:nvGrpSpPr>
-      <p:grpSpPr/>
-      <p:sp>
-        <p:nvSpPr>
-          <p:cNvPr id="2" name="Title 1"/>
-          <p:cNvSpPr>
-            <a:spLocks noGrp="1"/>
-          </p:cNvSpPr>
-          <p:nvPr>
-            <p:ph type="title"/>
-          </p:nvPr>
-        </p:nvSpPr>
-        <p:spPr/>
-        <p:txBody>
-          <a:bodyPr/>
-          <a:lstStyle/>
-          <a:p>
-            <a:r>
-              <a:t>BNODE Reliability — Empirical vs nominal coverage (square plot)</a:t>
-            </a:r>
-          </a:p>
-        </p:txBody>
-      </p:sp>
-      <p:sp>
-        <p:nvSpPr>
-          <p:cNvPr id="3" name="TextBox 2"/>
-          <p:cNvSpPr txBox="1"/>
-          <p:nvPr/>
-        </p:nvSpPr>
-        <p:spPr>
-          <a:xfrm>
-            <a:off x="731520" y="2286000"/>
-            <a:ext cx="9144000" cy="914400"/>
-          </a:xfrm>
-          <a:prstGeom prst="rect">
-            <a:avLst/>
-          </a:prstGeom>
-          <a:noFill/>
-        </p:spPr>
-        <p:txBody>
-          <a:bodyPr wrap="none">
-            <a:spAutoFit/>
-          </a:bodyPr>
-          <a:lstStyle/>
-          <a:p>
-            <a:r>
-              <a:t>[Missing image: None]</a:t>
-            </a:r>
-          </a:p>
-        </p:txBody>
-      </p:sp>
-      <p:sp>
-        <p:nvSpPr>
-          <p:cNvPr id="4" name="TextBox 3"/>
-          <p:cNvSpPr txBox="1"/>
-          <p:nvPr/>
-        </p:nvSpPr>
-        <p:spPr>
-          <a:xfrm>
-            <a:off x="457200" y="6126480"/>
-            <a:ext cx="8229600" cy="274320"/>
-          </a:xfrm>
-          <a:prstGeom prst="rect">
-            <a:avLst/>
-          </a:prstGeom>
-          <a:noFill/>
-        </p:spPr>
-        <p:txBody>
-          <a:bodyPr wrap="none">
-            <a:spAutoFit/>
-          </a:bodyPr>
-          <a:lstStyle/>
-          <a:p>
-            <a:r>
-              <a:rPr sz="1000">
-                <a:solidFill>
-                  <a:srgbClr val="787878"/>
-                </a:solidFill>
-              </a:rPr>
-              <a:t>Provenance: release/minimal-figures-and-analysis @ cbbaefe • generated 2025-09-17</a:t>
-            </a:r>
-          </a:p>
-        </p:txBody>
-      </p:sp>
-    </p:spTree>
-  </p:cSld>
-  <p:clrMapOvr>
-    <a:masterClrMapping/>
-  </p:clrMapOvr>
-</p:sld>
-</file>
-
-<file path=ppt/slides/slide9.xml><?xml version="1.0" encoding="utf-8"?>
-<p:sld xmlns:a="http://schemas.openxmlformats.org/drawingml/2006/main" xmlns:p="http://schemas.openxmlformats.org/presentationml/2006/main" xmlns:r="http://schemas.openxmlformats.org/officeDocument/2006/relationships">
-  <p:cSld>
-    <p:spTree>
-      <p:nvGrpSpPr>
-        <p:cNvPr id="1" name=""/>
-        <p:cNvGrpSpPr/>
-        <p:nvPr/>
-      </p:nvGrpSpPr>
-      <p:grpSpPr/>
-      <p:sp>
-        <p:nvSpPr>
-          <p:cNvPr id="2" name="Title 1"/>
-          <p:cNvSpPr>
-            <a:spLocks noGrp="1"/>
-          </p:cNvSpPr>
-          <p:nvPr>
-            <p:ph type="title"/>
-          </p:nvPr>
-        </p:nvSpPr>
-        <p:spPr/>
-        <p:txBody>
-          <a:bodyPr/>
-          <a:lstStyle/>
-          <a:p>
-            <a:r>
-              <a:t>Posterior Predictive Checks — Trajectories with median, 50/90% bands</a:t>
-            </a:r>
-          </a:p>
-        </p:txBody>
-      </p:sp>
-      <p:sp>
-        <p:nvSpPr>
-          <p:cNvPr id="3" name="TextBox 2"/>
-          <p:cNvSpPr txBox="1"/>
-          <p:nvPr/>
-        </p:nvSpPr>
-        <p:spPr>
-          <a:xfrm>
-            <a:off x="731520" y="2286000"/>
-            <a:ext cx="9144000" cy="914400"/>
-          </a:xfrm>
-          <a:prstGeom prst="rect">
-            <a:avLst/>
-          </a:prstGeom>
-          <a:noFill/>
-        </p:spPr>
-        <p:txBody>
-          <a:bodyPr wrap="none">
-            <a:spAutoFit/>
-          </a:bodyPr>
-          <a:lstStyle/>
-          <a:p>
-            <a:r>
-              <a:t>[Missing image: None]</a:t>
-            </a:r>
-          </a:p>
-        </p:txBody>
-      </p:sp>
-      <p:sp>
-        <p:nvSpPr>
-          <p:cNvPr id="4" name="TextBox 3"/>
-          <p:cNvSpPr txBox="1"/>
-          <p:nvPr/>
-        </p:nvSpPr>
-        <p:spPr>
-          <a:xfrm>
-            <a:off x="457200" y="6126480"/>
-            <a:ext cx="8229600" cy="274320"/>
-          </a:xfrm>
-          <a:prstGeom prst="rect">
-            <a:avLst/>
-          </a:prstGeom>
-          <a:noFill/>
-        </p:spPr>
-        <p:txBody>
-          <a:bodyPr wrap="none">
-            <a:spAutoFit/>
-          </a:bodyPr>
-          <a:lstStyle/>
-          <a:p>
-            <a:r>
-              <a:rPr sz="1000">
-                <a:solidFill>
-                  <a:srgbClr val="787878"/>
-                </a:solidFill>
-              </a:rPr>
-              <a:t>Provenance: release/minimal-figures-and-analysis @ cbbaefe • generated 2025-09-17</a:t>
             </a:r>
           </a:p>
         </p:txBody>
@@ -6287,324 +3456,4 @@
   </a:objectDefaults>
   <a:extraClrSchemeLst/>
 </a:theme>
-</file>
-
-<file path=ppt/theme/theme2.xml><?xml version="1.0" encoding="utf-8"?>
-<a:theme xmlns:a="http://schemas.openxmlformats.org/drawingml/2006/main" name="Office Theme">
-  <a:themeElements>
-    <a:clrScheme name="Office">
-      <a:dk1>
-        <a:sysClr val="windowText" lastClr="000000"/>
-      </a:dk1>
-      <a:lt1>
-        <a:sysClr val="window" lastClr="FFFFFF"/>
-      </a:lt1>
-      <a:dk2>
-        <a:srgbClr val="1F497D"/>
-      </a:dk2>
-      <a:lt2>
-        <a:srgbClr val="EEECE1"/>
-      </a:lt2>
-      <a:accent1>
-        <a:srgbClr val="4F81BD"/>
-      </a:accent1>
-      <a:accent2>
-        <a:srgbClr val="C0504D"/>
-      </a:accent2>
-      <a:accent3>
-        <a:srgbClr val="9BBB59"/>
-      </a:accent3>
-      <a:accent4>
-        <a:srgbClr val="8064A2"/>
-      </a:accent4>
-      <a:accent5>
-        <a:srgbClr val="4BACC6"/>
-      </a:accent5>
-      <a:accent6>
-        <a:srgbClr val="F79646"/>
-      </a:accent6>
-      <a:hlink>
-        <a:srgbClr val="0000FF"/>
-      </a:hlink>
-      <a:folHlink>
-        <a:srgbClr val="800080"/>
-      </a:folHlink>
-    </a:clrScheme>
-    <a:fontScheme name="Office">
-      <a:majorFont>
-        <a:latin typeface="Calibri"/>
-        <a:ea typeface=""/>
-        <a:cs typeface=""/>
-        <a:font script="Jpan" typeface="ＭＳ Ｐゴシック"/>
-        <a:font script="Hang" typeface="맑은 고딕"/>
-        <a:font script="Hans" typeface="宋体"/>
-        <a:font script="Hant" typeface="新細明體"/>
-        <a:font script="Arab" typeface="Times New Roman"/>
-        <a:font script="Hebr" typeface="Times New Roman"/>
-        <a:font script="Thai" typeface="Angsana New"/>
-        <a:font script="Ethi" typeface="Nyala"/>
-        <a:font script="Beng" typeface="Vrinda"/>
-        <a:font script="Gujr" typeface="Shruti"/>
-        <a:font script="Khmr" typeface="MoolBoran"/>
-        <a:font script="Knda" typeface="Tunga"/>
-        <a:font script="Guru" typeface="Raavi"/>
-        <a:font script="Cans" typeface="Euphemia"/>
-        <a:font script="Cher" typeface="Plantagenet Cherokee"/>
-        <a:font script="Yiii" typeface="Microsoft Yi Baiti"/>
-        <a:font script="Tibt" typeface="Microsoft Himalaya"/>
-        <a:font script="Thaa" typeface="MV Boli"/>
-        <a:font script="Deva" typeface="Mangal"/>
-        <a:font script="Telu" typeface="Gautami"/>
-        <a:font script="Taml" typeface="Latha"/>
-        <a:font script="Syrc" typeface="Estrangelo Edessa"/>
-        <a:font script="Orya" typeface="Kalinga"/>
-        <a:font script="Mlym" typeface="Kartika"/>
-        <a:font script="Laoo" typeface="DokChampa"/>
-        <a:font script="Sinh" typeface="Iskoola Pota"/>
-        <a:font script="Mong" typeface="Mongolian Baiti"/>
-        <a:font script="Viet" typeface="Times New Roman"/>
-        <a:font script="Uigh" typeface="Microsoft Uighur"/>
-        <a:font script="Geor" typeface="Sylfaen"/>
-      </a:majorFont>
-      <a:minorFont>
-        <a:latin typeface="Calibri"/>
-        <a:ea typeface=""/>
-        <a:cs typeface=""/>
-        <a:font script="Jpan" typeface="ＭＳ Ｐゴシック"/>
-        <a:font script="Hang" typeface="맑은 고딕"/>
-        <a:font script="Hans" typeface="宋体"/>
-        <a:font script="Hant" typeface="新細明體"/>
-        <a:font script="Arab" typeface="Arial"/>
-        <a:font script="Hebr" typeface="Arial"/>
-        <a:font script="Thai" typeface="Cordia New"/>
-        <a:font script="Ethi" typeface="Nyala"/>
-        <a:font script="Beng" typeface="Vrinda"/>
-        <a:font script="Gujr" typeface="Shruti"/>
-        <a:font script="Khmr" typeface="DaunPenh"/>
-        <a:font script="Knda" typeface="Tunga"/>
-        <a:font script="Guru" typeface="Raavi"/>
-        <a:font script="Cans" typeface="Euphemia"/>
-        <a:font script="Cher" typeface="Plantagenet Cherokee"/>
-        <a:font script="Yiii" typeface="Microsoft Yi Baiti"/>
-        <a:font script="Tibt" typeface="Microsoft Himalaya"/>
-        <a:font script="Thaa" typeface="MV Boli"/>
-        <a:font script="Deva" typeface="Mangal"/>
-        <a:font script="Telu" typeface="Gautami"/>
-        <a:font script="Taml" typeface="Latha"/>
-        <a:font script="Syrc" typeface="Estrangelo Edessa"/>
-        <a:font script="Orya" typeface="Kalinga"/>
-        <a:font script="Mlym" typeface="Kartika"/>
-        <a:font script="Laoo" typeface="DokChampa"/>
-        <a:font script="Sinh" typeface="Iskoola Pota"/>
-        <a:font script="Mong" typeface="Mongolian Baiti"/>
-        <a:font script="Viet" typeface="Arial"/>
-        <a:font script="Uigh" typeface="Microsoft Uighur"/>
-        <a:font script="Geor" typeface="Sylfaen"/>
-      </a:minorFont>
-    </a:fontScheme>
-    <a:fmtScheme name="Office">
-      <a:fillStyleLst>
-        <a:solidFill>
-          <a:schemeClr val="phClr"/>
-        </a:solidFill>
-        <a:gradFill rotWithShape="1">
-          <a:gsLst>
-            <a:gs pos="0">
-              <a:schemeClr val="phClr">
-                <a:tint val="50000"/>
-                <a:satMod val="300000"/>
-              </a:schemeClr>
-            </a:gs>
-            <a:gs pos="35000">
-              <a:schemeClr val="phClr">
-                <a:tint val="37000"/>
-                <a:satMod val="300000"/>
-              </a:schemeClr>
-            </a:gs>
-            <a:gs pos="100000">
-              <a:schemeClr val="phClr">
-                <a:tint val="15000"/>
-                <a:satMod val="350000"/>
-              </a:schemeClr>
-            </a:gs>
-          </a:gsLst>
-          <a:lin ang="16200000" scaled="1"/>
-        </a:gradFill>
-        <a:gradFill rotWithShape="1">
-          <a:gsLst>
-            <a:gs pos="0">
-              <a:schemeClr val="phClr">
-                <a:tint val="100000"/>
-                <a:shade val="100000"/>
-                <a:satMod val="130000"/>
-              </a:schemeClr>
-            </a:gs>
-            <a:gs pos="100000">
-              <a:schemeClr val="phClr">
-                <a:tint val="50000"/>
-                <a:shade val="100000"/>
-                <a:satMod val="350000"/>
-              </a:schemeClr>
-            </a:gs>
-          </a:gsLst>
-          <a:lin ang="16200000" scaled="0"/>
-        </a:gradFill>
-      </a:fillStyleLst>
-      <a:lnStyleLst>
-        <a:ln w="9525" cap="flat" cmpd="sng" algn="ctr">
-          <a:solidFill>
-            <a:schemeClr val="phClr">
-              <a:shade val="95000"/>
-              <a:satMod val="105000"/>
-            </a:schemeClr>
-          </a:solidFill>
-          <a:prstDash val="solid"/>
-        </a:ln>
-        <a:ln w="25400" cap="flat" cmpd="sng" algn="ctr">
-          <a:solidFill>
-            <a:schemeClr val="phClr"/>
-          </a:solidFill>
-          <a:prstDash val="solid"/>
-        </a:ln>
-        <a:ln w="38100" cap="flat" cmpd="sng" algn="ctr">
-          <a:solidFill>
-            <a:schemeClr val="phClr"/>
-          </a:solidFill>
-          <a:prstDash val="solid"/>
-        </a:ln>
-      </a:lnStyleLst>
-      <a:effectStyleLst>
-        <a:effectStyle>
-          <a:effectLst>
-            <a:outerShdw blurRad="40000" dist="20000" dir="5400000" rotWithShape="0">
-              <a:srgbClr val="000000">
-                <a:alpha val="38000"/>
-              </a:srgbClr>
-            </a:outerShdw>
-          </a:effectLst>
-        </a:effectStyle>
-        <a:effectStyle>
-          <a:effectLst>
-            <a:outerShdw blurRad="40000" dist="23000" dir="5400000" rotWithShape="0">
-              <a:srgbClr val="000000">
-                <a:alpha val="35000"/>
-              </a:srgbClr>
-            </a:outerShdw>
-          </a:effectLst>
-        </a:effectStyle>
-        <a:effectStyle>
-          <a:effectLst>
-            <a:outerShdw blurRad="40000" dist="23000" dir="5400000" rotWithShape="0">
-              <a:srgbClr val="000000">
-                <a:alpha val="35000"/>
-              </a:srgbClr>
-            </a:outerShdw>
-          </a:effectLst>
-          <a:scene3d>
-            <a:camera prst="orthographicFront">
-              <a:rot lat="0" lon="0" rev="0"/>
-            </a:camera>
-            <a:lightRig rig="threePt" dir="t">
-              <a:rot lat="0" lon="0" rev="1200000"/>
-            </a:lightRig>
-          </a:scene3d>
-          <a:sp3d>
-            <a:bevelT w="63500" h="25400"/>
-          </a:sp3d>
-        </a:effectStyle>
-      </a:effectStyleLst>
-      <a:bgFillStyleLst>
-        <a:solidFill>
-          <a:schemeClr val="phClr"/>
-        </a:solidFill>
-        <a:gradFill rotWithShape="1">
-          <a:gsLst>
-            <a:gs pos="0">
-              <a:schemeClr val="phClr">
-                <a:tint val="40000"/>
-                <a:satMod val="350000"/>
-              </a:schemeClr>
-            </a:gs>
-            <a:gs pos="40000">
-              <a:schemeClr val="phClr">
-                <a:tint val="45000"/>
-                <a:shade val="99000"/>
-                <a:satMod val="350000"/>
-              </a:schemeClr>
-            </a:gs>
-            <a:gs pos="100000">
-              <a:schemeClr val="phClr">
-                <a:shade val="20000"/>
-                <a:satMod val="255000"/>
-              </a:schemeClr>
-            </a:gs>
-          </a:gsLst>
-          <a:path path="circle">
-            <a:fillToRect l="50000" t="-80000" r="50000" b="180000"/>
-          </a:path>
-        </a:gradFill>
-        <a:gradFill rotWithShape="1">
-          <a:gsLst>
-            <a:gs pos="0">
-              <a:schemeClr val="phClr">
-                <a:tint val="80000"/>
-                <a:satMod val="300000"/>
-              </a:schemeClr>
-            </a:gs>
-            <a:gs pos="100000">
-              <a:schemeClr val="phClr">
-                <a:shade val="30000"/>
-                <a:satMod val="200000"/>
-              </a:schemeClr>
-            </a:gs>
-          </a:gsLst>
-          <a:path path="circle">
-            <a:fillToRect l="50000" t="50000" r="50000" b="50000"/>
-          </a:path>
-        </a:gradFill>
-      </a:bgFillStyleLst>
-    </a:fmtScheme>
-  </a:themeElements>
-  <a:objectDefaults>
-    <a:spDef>
-      <a:spPr/>
-      <a:bodyPr/>
-      <a:lstStyle/>
-      <a:style>
-        <a:lnRef idx="1">
-          <a:schemeClr val="accent1"/>
-        </a:lnRef>
-        <a:fillRef idx="3">
-          <a:schemeClr val="accent1"/>
-        </a:fillRef>
-        <a:effectRef idx="2">
-          <a:schemeClr val="accent1"/>
-        </a:effectRef>
-        <a:fontRef idx="minor">
-          <a:schemeClr val="lt1"/>
-        </a:fontRef>
-      </a:style>
-    </a:spDef>
-    <a:lnDef>
-      <a:spPr/>
-      <a:bodyPr/>
-      <a:lstStyle/>
-      <a:style>
-        <a:lnRef idx="2">
-          <a:schemeClr val="accent1"/>
-        </a:lnRef>
-        <a:fillRef idx="0">
-          <a:schemeClr val="accent1"/>
-        </a:fillRef>
-        <a:effectRef idx="1">
-          <a:schemeClr val="accent1"/>
-        </a:effectRef>
-        <a:fontRef idx="minor">
-          <a:schemeClr val="tx1"/>
-        </a:fontRef>
-      </a:style>
-    </a:lnDef>
-  </a:objectDefaults>
-  <a:extraClrSchemeLst/>
-</a:theme>
 </file>